--- a/UserStories Powerpoint2.pptx
+++ b/UserStories Powerpoint2.pptx
@@ -4,6 +4,9 @@
   <p:sldMasterIdLst>
     <p:sldMasterId id="2147483648" r:id="rId1"/>
   </p:sldMasterIdLst>
+  <p:handoutMasterIdLst>
+    <p:handoutMasterId r:id="rId17"/>
+  </p:handoutMasterIdLst>
   <p:sldIdLst>
     <p:sldId id="258" r:id="rId2"/>
     <p:sldId id="259" r:id="rId3"/>
@@ -137,6 +140,171 @@
 </p:presentation>
 </file>
 
+<file path=ppt/handoutMasters/handoutMaster1.xml><?xml version="1.0" encoding="utf-8"?>
+<p:handoutMaster xmlns:a="http://schemas.openxmlformats.org/drawingml/2006/main" xmlns:r="http://schemas.openxmlformats.org/officeDocument/2006/relationships" xmlns:p="http://schemas.openxmlformats.org/presentationml/2006/main">
+  <p:cSld>
+    <p:bg>
+      <p:bgRef idx="1001">
+        <a:schemeClr val="bg1"/>
+      </p:bgRef>
+    </p:bg>
+    <p:spTree>
+      <p:nvGrpSpPr>
+        <p:cNvPr id="1" name=""/>
+        <p:cNvGrpSpPr/>
+        <p:nvPr/>
+      </p:nvGrpSpPr>
+      <p:grpSpPr>
+        <a:xfrm>
+          <a:off x="0" y="0"/>
+          <a:ext cx="0" cy="0"/>
+          <a:chOff x="0" y="0"/>
+          <a:chExt cx="0" cy="0"/>
+        </a:xfrm>
+      </p:grpSpPr>
+      <p:sp>
+        <p:nvSpPr>
+          <p:cNvPr id="2" name="Header Placeholder 1"/>
+          <p:cNvSpPr>
+            <a:spLocks noGrp="1"/>
+          </p:cNvSpPr>
+          <p:nvPr>
+            <p:ph type="hdr" sz="quarter"/>
+          </p:nvPr>
+        </p:nvSpPr>
+        <p:spPr>
+          <a:xfrm>
+            <a:off x="0" y="0"/>
+            <a:ext cx="2971800" cy="458788"/>
+          </a:xfrm>
+          <a:prstGeom prst="rect">
+            <a:avLst/>
+          </a:prstGeom>
+        </p:spPr>
+        <p:txBody>
+          <a:bodyPr vert="horz" lIns="91440" tIns="45720" rIns="91440" bIns="45720" rtlCol="0"/>
+          <a:lstStyle>
+            <a:lvl1pPr algn="l">
+              <a:defRPr sz="1200"/>
+            </a:lvl1pPr>
+          </a:lstStyle>
+          <a:p>
+            <a:endParaRPr lang="en-AU"/>
+          </a:p>
+        </p:txBody>
+      </p:sp>
+      <p:sp>
+        <p:nvSpPr>
+          <p:cNvPr id="3" name="Date Placeholder 2"/>
+          <p:cNvSpPr>
+            <a:spLocks noGrp="1"/>
+          </p:cNvSpPr>
+          <p:nvPr>
+            <p:ph type="dt" sz="quarter" idx="1"/>
+          </p:nvPr>
+        </p:nvSpPr>
+        <p:spPr>
+          <a:xfrm>
+            <a:off x="3884613" y="0"/>
+            <a:ext cx="2971800" cy="458788"/>
+          </a:xfrm>
+          <a:prstGeom prst="rect">
+            <a:avLst/>
+          </a:prstGeom>
+        </p:spPr>
+        <p:txBody>
+          <a:bodyPr vert="horz" lIns="91440" tIns="45720" rIns="91440" bIns="45720" rtlCol="0"/>
+          <a:lstStyle>
+            <a:lvl1pPr algn="r">
+              <a:defRPr sz="1200"/>
+            </a:lvl1pPr>
+          </a:lstStyle>
+          <a:p>
+            <a:fld id="{65D794D2-7DF1-426B-981B-699BC3FB9AD6}" type="datetimeFigureOut">
+              <a:rPr lang="en-AU" smtClean="0"/>
+              <a:t>31/05/2017</a:t>
+            </a:fld>
+            <a:endParaRPr lang="en-AU"/>
+          </a:p>
+        </p:txBody>
+      </p:sp>
+      <p:sp>
+        <p:nvSpPr>
+          <p:cNvPr id="4" name="Footer Placeholder 3"/>
+          <p:cNvSpPr>
+            <a:spLocks noGrp="1"/>
+          </p:cNvSpPr>
+          <p:nvPr>
+            <p:ph type="ftr" sz="quarter" idx="2"/>
+          </p:nvPr>
+        </p:nvSpPr>
+        <p:spPr>
+          <a:xfrm>
+            <a:off x="0" y="8685213"/>
+            <a:ext cx="2971800" cy="458787"/>
+          </a:xfrm>
+          <a:prstGeom prst="rect">
+            <a:avLst/>
+          </a:prstGeom>
+        </p:spPr>
+        <p:txBody>
+          <a:bodyPr vert="horz" lIns="91440" tIns="45720" rIns="91440" bIns="45720" rtlCol="0" anchor="b"/>
+          <a:lstStyle>
+            <a:lvl1pPr algn="l">
+              <a:defRPr sz="1200"/>
+            </a:lvl1pPr>
+          </a:lstStyle>
+          <a:p>
+            <a:endParaRPr lang="en-AU"/>
+          </a:p>
+        </p:txBody>
+      </p:sp>
+      <p:sp>
+        <p:nvSpPr>
+          <p:cNvPr id="5" name="Slide Number Placeholder 4"/>
+          <p:cNvSpPr>
+            <a:spLocks noGrp="1"/>
+          </p:cNvSpPr>
+          <p:nvPr>
+            <p:ph type="sldNum" sz="quarter" idx="3"/>
+          </p:nvPr>
+        </p:nvSpPr>
+        <p:spPr>
+          <a:xfrm>
+            <a:off x="3884613" y="8685213"/>
+            <a:ext cx="2971800" cy="458787"/>
+          </a:xfrm>
+          <a:prstGeom prst="rect">
+            <a:avLst/>
+          </a:prstGeom>
+        </p:spPr>
+        <p:txBody>
+          <a:bodyPr vert="horz" lIns="91440" tIns="45720" rIns="91440" bIns="45720" rtlCol="0" anchor="b"/>
+          <a:lstStyle>
+            <a:lvl1pPr algn="r">
+              <a:defRPr sz="1200"/>
+            </a:lvl1pPr>
+          </a:lstStyle>
+          <a:p>
+            <a:fld id="{45D739E6-1E23-4703-A2E3-631ADA8B1462}" type="slidenum">
+              <a:rPr lang="en-AU" smtClean="0"/>
+              <a:t>‹#›</a:t>
+            </a:fld>
+            <a:endParaRPr lang="en-AU"/>
+          </a:p>
+        </p:txBody>
+      </p:sp>
+    </p:spTree>
+    <p:extLst>
+      <p:ext uri="{BB962C8B-B14F-4D97-AF65-F5344CB8AC3E}">
+        <p14:creationId xmlns:p14="http://schemas.microsoft.com/office/powerpoint/2010/main" val="1570753202"/>
+      </p:ext>
+    </p:extLst>
+  </p:cSld>
+  <p:clrMap bg1="lt1" tx1="dk1" bg2="lt2" tx2="dk2" accent1="accent1" accent2="accent2" accent3="accent3" accent4="accent4" accent5="accent5" accent6="accent6" hlink="hlink" folHlink="folHlink"/>
+</p:handoutMaster>
+</file>
+
 <file path=ppt/slideLayouts/slideLayout1.xml><?xml version="1.0" encoding="utf-8"?>
 <p:sldLayout xmlns:a="http://schemas.openxmlformats.org/drawingml/2006/main" xmlns:r="http://schemas.openxmlformats.org/officeDocument/2006/relationships" xmlns:p="http://schemas.openxmlformats.org/presentationml/2006/main" type="title" preserve="1">
   <p:cSld name="Title Slide">
@@ -319,7 +487,7 @@
             <a:fld id="{1585DAA5-6BE2-467A-90B2-00E985D86198}" type="datetimeFigureOut">
               <a:rPr lang="en-AU" smtClean="0"/>
               <a:pPr/>
-              <a:t>15/03/2017</a:t>
+              <a:t>31/05/2017</a:t>
             </a:fld>
             <a:endParaRPr lang="en-AU"/>
           </a:p>
@@ -486,7 +654,7 @@
             <a:fld id="{1585DAA5-6BE2-467A-90B2-00E985D86198}" type="datetimeFigureOut">
               <a:rPr lang="en-AU" smtClean="0"/>
               <a:pPr/>
-              <a:t>15/03/2017</a:t>
+              <a:t>31/05/2017</a:t>
             </a:fld>
             <a:endParaRPr lang="en-AU"/>
           </a:p>
@@ -663,7 +831,7 @@
             <a:fld id="{1585DAA5-6BE2-467A-90B2-00E985D86198}" type="datetimeFigureOut">
               <a:rPr lang="en-AU" smtClean="0"/>
               <a:pPr/>
-              <a:t>15/03/2017</a:t>
+              <a:t>31/05/2017</a:t>
             </a:fld>
             <a:endParaRPr lang="en-AU"/>
           </a:p>
@@ -830,7 +998,7 @@
             <a:fld id="{1585DAA5-6BE2-467A-90B2-00E985D86198}" type="datetimeFigureOut">
               <a:rPr lang="en-AU" smtClean="0"/>
               <a:pPr/>
-              <a:t>15/03/2017</a:t>
+              <a:t>31/05/2017</a:t>
             </a:fld>
             <a:endParaRPr lang="en-AU"/>
           </a:p>
@@ -1073,7 +1241,7 @@
             <a:fld id="{1585DAA5-6BE2-467A-90B2-00E985D86198}" type="datetimeFigureOut">
               <a:rPr lang="en-AU" smtClean="0"/>
               <a:pPr/>
-              <a:t>15/03/2017</a:t>
+              <a:t>31/05/2017</a:t>
             </a:fld>
             <a:endParaRPr lang="en-AU"/>
           </a:p>
@@ -1358,7 +1526,7 @@
             <a:fld id="{1585DAA5-6BE2-467A-90B2-00E985D86198}" type="datetimeFigureOut">
               <a:rPr lang="en-AU" smtClean="0"/>
               <a:pPr/>
-              <a:t>15/03/2017</a:t>
+              <a:t>31/05/2017</a:t>
             </a:fld>
             <a:endParaRPr lang="en-AU"/>
           </a:p>
@@ -1777,7 +1945,7 @@
             <a:fld id="{1585DAA5-6BE2-467A-90B2-00E985D86198}" type="datetimeFigureOut">
               <a:rPr lang="en-AU" smtClean="0"/>
               <a:pPr/>
-              <a:t>15/03/2017</a:t>
+              <a:t>31/05/2017</a:t>
             </a:fld>
             <a:endParaRPr lang="en-AU"/>
           </a:p>
@@ -1892,7 +2060,7 @@
             <a:fld id="{1585DAA5-6BE2-467A-90B2-00E985D86198}" type="datetimeFigureOut">
               <a:rPr lang="en-AU" smtClean="0"/>
               <a:pPr/>
-              <a:t>15/03/2017</a:t>
+              <a:t>31/05/2017</a:t>
             </a:fld>
             <a:endParaRPr lang="en-AU"/>
           </a:p>
@@ -1984,7 +2152,7 @@
             <a:fld id="{1585DAA5-6BE2-467A-90B2-00E985D86198}" type="datetimeFigureOut">
               <a:rPr lang="en-AU" smtClean="0"/>
               <a:pPr/>
-              <a:t>15/03/2017</a:t>
+              <a:t>31/05/2017</a:t>
             </a:fld>
             <a:endParaRPr lang="en-AU"/>
           </a:p>
@@ -2258,7 +2426,7 @@
             <a:fld id="{1585DAA5-6BE2-467A-90B2-00E985D86198}" type="datetimeFigureOut">
               <a:rPr lang="en-AU" smtClean="0"/>
               <a:pPr/>
-              <a:t>15/03/2017</a:t>
+              <a:t>31/05/2017</a:t>
             </a:fld>
             <a:endParaRPr lang="en-AU"/>
           </a:p>
@@ -2508,7 +2676,7 @@
             <a:fld id="{1585DAA5-6BE2-467A-90B2-00E985D86198}" type="datetimeFigureOut">
               <a:rPr lang="en-AU" smtClean="0"/>
               <a:pPr/>
-              <a:t>15/03/2017</a:t>
+              <a:t>31/05/2017</a:t>
             </a:fld>
             <a:endParaRPr lang="en-AU"/>
           </a:p>
@@ -2718,7 +2886,7 @@
             <a:fld id="{1585DAA5-6BE2-467A-90B2-00E985D86198}" type="datetimeFigureOut">
               <a:rPr lang="en-AU" smtClean="0"/>
               <a:pPr/>
-              <a:t>15/03/2017</a:t>
+              <a:t>31/05/2017</a:t>
             </a:fld>
             <a:endParaRPr lang="en-AU"/>
           </a:p>
@@ -3123,13 +3291,8 @@
             </a:r>
             <a:r>
               <a:rPr lang="en-AU" sz="2000" dirty="0"/>
-              <a:t> – </a:t>
-            </a:r>
-            <a:r>
-              <a:rPr lang="en-AU" sz="2000" dirty="0" smtClean="0"/>
-              <a:t>David – Owner.</a:t>
-            </a:r>
-            <a:endParaRPr lang="en-AU" sz="2000" dirty="0"/>
+              <a:t> – David – Owner.</a:t>
+            </a:r>
           </a:p>
           <a:p>
             <a:pPr marL="0" indent="0">
@@ -3144,11 +3307,7 @@
             </a:r>
             <a:r>
               <a:rPr lang="en-AU" sz="2000" dirty="0"/>
-              <a:t> – </a:t>
-            </a:r>
-            <a:r>
-              <a:rPr lang="en-AU" sz="2000" dirty="0" smtClean="0"/>
-              <a:t>Tenants – Renting the property.</a:t>
+              <a:t> – Tenants – Renting the property.</a:t>
             </a:r>
           </a:p>
           <a:p>
@@ -3159,11 +3318,11 @@
               <a:buNone/>
             </a:pPr>
             <a:r>
-              <a:rPr lang="en-AU" sz="2000" u="sng" dirty="0" smtClean="0"/>
+              <a:rPr lang="en-AU" sz="2000" u="sng" dirty="0"/>
               <a:t>Role 3</a:t>
             </a:r>
             <a:r>
-              <a:rPr lang="en-AU" sz="2000" dirty="0" smtClean="0"/>
+              <a:rPr lang="en-AU" sz="2000" dirty="0"/>
               <a:t> – Property Owners – Owning the properties.</a:t>
             </a:r>
           </a:p>
@@ -3175,11 +3334,11 @@
               <a:buNone/>
             </a:pPr>
             <a:r>
-              <a:rPr lang="en-AU" sz="2000" u="sng" dirty="0" smtClean="0"/>
+              <a:rPr lang="en-AU" sz="2000" u="sng" dirty="0"/>
               <a:t>Role 4</a:t>
             </a:r>
             <a:r>
-              <a:rPr lang="en-AU" sz="2000" dirty="0" smtClean="0"/>
+              <a:rPr lang="en-AU" sz="2000" dirty="0"/>
               <a:t> – Staff – Assist David in running the business.</a:t>
             </a:r>
           </a:p>
@@ -3191,11 +3350,11 @@
               <a:buNone/>
             </a:pPr>
             <a:r>
-              <a:rPr lang="en-AU" sz="2000" u="sng" dirty="0" smtClean="0"/>
+              <a:rPr lang="en-AU" sz="2000" u="sng" dirty="0"/>
               <a:t>Role 5</a:t>
             </a:r>
             <a:r>
-              <a:rPr lang="en-AU" sz="2000" dirty="0" smtClean="0"/>
+              <a:rPr lang="en-AU" sz="2000" dirty="0"/>
               <a:t> – Guest – Prospective client.</a:t>
             </a:r>
             <a:endParaRPr lang="en-AU" sz="2000" u="sng" dirty="0"/>
@@ -3327,7 +3486,7 @@
           <a:p>
             <a:pPr algn="ctr"/>
             <a:r>
-              <a:rPr lang="en-US" sz="2000" dirty="0" smtClean="0">
+              <a:rPr lang="en-US" sz="2000" dirty="0">
                 <a:solidFill>
                   <a:schemeClr val="tx1"/>
                 </a:solidFill>
@@ -3387,21 +3546,8 @@
             <a:pPr algn="ctr"/>
             <a:r>
               <a:rPr lang="en-AU" sz="2800" dirty="0"/>
-              <a:t>Tenant </a:t>
-            </a:r>
-            <a:r>
-              <a:rPr lang="en-AU" sz="2800" dirty="0" smtClean="0"/>
-              <a:t>Sign-</a:t>
-            </a:r>
-            <a:r>
-              <a:rPr lang="en-AU" sz="2800" dirty="0"/>
-              <a:t>U</a:t>
-            </a:r>
-            <a:r>
-              <a:rPr lang="en-AU" sz="2800" dirty="0" smtClean="0"/>
-              <a:t>p</a:t>
-            </a:r>
-            <a:endParaRPr lang="en-AU" sz="2800" dirty="0"/>
+              <a:t>Tenant Sign-Up</a:t>
+            </a:r>
           </a:p>
         </p:txBody>
       </p:sp>
@@ -3523,21 +3669,8 @@
                   <a:schemeClr val="tx1"/>
                 </a:solidFill>
               </a:rPr>
-              <a:t>Acceptance </a:t>
-            </a:r>
-            <a:r>
-              <a:rPr lang="en-AU" sz="2000" dirty="0" smtClean="0">
-                <a:solidFill>
-                  <a:schemeClr val="tx1"/>
-                </a:solidFill>
-              </a:rPr>
-              <a:t>Criteria:</a:t>
-            </a:r>
-            <a:endParaRPr lang="en-AU" sz="2000" dirty="0">
-              <a:solidFill>
-                <a:schemeClr val="tx1"/>
-              </a:solidFill>
-            </a:endParaRPr>
+              <a:t>Acceptance Criteria:</a:t>
+            </a:r>
           </a:p>
           <a:p>
             <a:pPr marL="179388" indent="-179388">
@@ -3545,34 +3678,13 @@
               <a:buChar char="•"/>
             </a:pPr>
             <a:r>
-              <a:rPr lang="en-AU" sz="2000" dirty="0" smtClean="0">
-                <a:solidFill>
-                  <a:schemeClr val="tx1"/>
-                </a:solidFill>
-              </a:rPr>
-              <a:t>The </a:t>
-            </a:r>
-            <a:r>
               <a:rPr lang="en-AU" sz="2000" dirty="0">
                 <a:solidFill>
                   <a:schemeClr val="tx1"/>
                 </a:solidFill>
               </a:rPr>
-              <a:t>register link </a:t>
-            </a:r>
-            <a:r>
-              <a:rPr lang="en-AU" sz="2000" dirty="0" smtClean="0">
-                <a:solidFill>
-                  <a:schemeClr val="tx1"/>
-                </a:solidFill>
-              </a:rPr>
-              <a:t>works.</a:t>
-            </a:r>
-            <a:endParaRPr lang="en-AU" sz="2000" dirty="0">
-              <a:solidFill>
-                <a:schemeClr val="tx1"/>
-              </a:solidFill>
-            </a:endParaRPr>
+              <a:t>The register link works.</a:t>
+            </a:r>
           </a:p>
           <a:p>
             <a:pPr marL="179388" indent="-179388">
@@ -3580,18 +3692,13 @@
               <a:buChar char="•"/>
             </a:pPr>
             <a:r>
-              <a:rPr lang="en-US" sz="2000" dirty="0" smtClean="0">
+              <a:rPr lang="en-US" sz="2000" dirty="0">
                 <a:solidFill>
                   <a:schemeClr val="tx1"/>
                 </a:solidFill>
               </a:rPr>
               <a:t>The details are saved correctly.</a:t>
             </a:r>
-            <a:endParaRPr lang="en-US" sz="2000" dirty="0">
-              <a:solidFill>
-                <a:schemeClr val="tx1"/>
-              </a:solidFill>
-            </a:endParaRPr>
           </a:p>
           <a:p>
             <a:pPr marL="179388" indent="-179388">
@@ -3599,44 +3706,12 @@
               <a:buChar char="•"/>
             </a:pPr>
             <a:r>
-              <a:rPr lang="en-US" sz="2000" dirty="0" smtClean="0">
-                <a:solidFill>
-                  <a:schemeClr val="tx1"/>
-                </a:solidFill>
-              </a:rPr>
-              <a:t>The prospective </a:t>
-            </a:r>
-            <a:r>
               <a:rPr lang="en-US" sz="2000" dirty="0">
                 <a:solidFill>
                   <a:schemeClr val="tx1"/>
                 </a:solidFill>
               </a:rPr>
-              <a:t>tenant </a:t>
-            </a:r>
-            <a:r>
-              <a:rPr lang="en-US" sz="2000" dirty="0" smtClean="0">
-                <a:solidFill>
-                  <a:schemeClr val="tx1"/>
-                </a:solidFill>
-              </a:rPr>
-              <a:t>has access </a:t>
-            </a:r>
-            <a:r>
-              <a:rPr lang="en-US" sz="2000" dirty="0">
-                <a:solidFill>
-                  <a:schemeClr val="tx1"/>
-                </a:solidFill>
-              </a:rPr>
-              <a:t>to view </a:t>
-            </a:r>
-            <a:r>
-              <a:rPr lang="en-US" sz="2000" dirty="0" smtClean="0">
-                <a:solidFill>
-                  <a:schemeClr val="tx1"/>
-                </a:solidFill>
-              </a:rPr>
-              <a:t>properties.</a:t>
+              <a:t>The prospective tenant has access to view properties.</a:t>
             </a:r>
             <a:endParaRPr lang="en-AU" sz="2000" dirty="0">
               <a:solidFill>
@@ -3755,18 +3830,13 @@
           <a:p>
             <a:pPr algn="ctr"/>
             <a:r>
-              <a:rPr lang="en-AU" sz="2000" dirty="0" smtClean="0">
+              <a:rPr lang="en-AU" sz="2000" dirty="0">
                 <a:solidFill>
                   <a:schemeClr val="tx1"/>
                 </a:solidFill>
               </a:rPr>
               <a:t>HIGH</a:t>
             </a:r>
-            <a:endParaRPr lang="en-AU" sz="2000" dirty="0">
-              <a:solidFill>
-                <a:schemeClr val="tx1"/>
-              </a:solidFill>
-            </a:endParaRPr>
           </a:p>
         </p:txBody>
       </p:sp>
@@ -3830,44 +3900,12 @@
               <a:buChar char="•"/>
             </a:pPr>
             <a:r>
-              <a:rPr lang="en-AU" sz="2000" dirty="0" smtClean="0">
-                <a:solidFill>
-                  <a:schemeClr val="tx1"/>
-                </a:solidFill>
-              </a:rPr>
-              <a:t>Similar </a:t>
-            </a:r>
-            <a:r>
               <a:rPr lang="en-AU" sz="2000" dirty="0">
                 <a:solidFill>
                   <a:schemeClr val="tx1"/>
                 </a:solidFill>
               </a:rPr>
-              <a:t>to </a:t>
-            </a:r>
-            <a:r>
-              <a:rPr lang="en-AU" sz="2000" dirty="0" smtClean="0">
-                <a:solidFill>
-                  <a:schemeClr val="tx1"/>
-                </a:solidFill>
-              </a:rPr>
-              <a:t>7a</a:t>
-            </a:r>
-            <a:r>
-              <a:rPr lang="en-AU" sz="2000" dirty="0" smtClean="0">
-                <a:solidFill>
-                  <a:schemeClr val="tx1"/>
-                </a:solidFill>
-              </a:rPr>
-              <a:t>, </a:t>
-            </a:r>
-            <a:r>
-              <a:rPr lang="en-AU" sz="2000" dirty="0">
-                <a:solidFill>
-                  <a:schemeClr val="tx1"/>
-                </a:solidFill>
-              </a:rPr>
-              <a:t>just needs differing access levels &amp; anyone can add themselves.</a:t>
+              <a:t>Similar to 7a, just needs differing access levels &amp; anyone can add themselves.</a:t>
             </a:r>
           </a:p>
         </p:txBody>
@@ -4137,21 +4175,8 @@
                   <a:schemeClr val="tx1"/>
                 </a:solidFill>
               </a:rPr>
-              <a:t>Acceptance </a:t>
-            </a:r>
-            <a:r>
-              <a:rPr lang="en-AU" sz="2000" dirty="0" smtClean="0">
-                <a:solidFill>
-                  <a:schemeClr val="tx1"/>
-                </a:solidFill>
-              </a:rPr>
-              <a:t>Criteria:</a:t>
-            </a:r>
-            <a:endParaRPr lang="en-AU" sz="2000" dirty="0">
-              <a:solidFill>
-                <a:schemeClr val="tx1"/>
-              </a:solidFill>
-            </a:endParaRPr>
+              <a:t>Acceptance Criteria:</a:t>
+            </a:r>
           </a:p>
           <a:p>
             <a:pPr marL="179388" indent="-179388">
@@ -4159,50 +4184,13 @@
               <a:buChar char="•"/>
             </a:pPr>
             <a:r>
-              <a:rPr lang="en-AU" sz="2000" dirty="0" smtClean="0">
-                <a:solidFill>
-                  <a:schemeClr val="tx1"/>
-                </a:solidFill>
-              </a:rPr>
-              <a:t>The staff </a:t>
-            </a:r>
-            <a:r>
               <a:rPr lang="en-AU" sz="2000" dirty="0">
                 <a:solidFill>
                   <a:schemeClr val="tx1"/>
                 </a:solidFill>
               </a:rPr>
-              <a:t>member </a:t>
-            </a:r>
-            <a:r>
-              <a:rPr lang="en-AU" sz="2000" dirty="0" smtClean="0">
-                <a:solidFill>
-                  <a:schemeClr val="tx1"/>
-                </a:solidFill>
-              </a:rPr>
-              <a:t>has access </a:t>
-            </a:r>
-            <a:r>
-              <a:rPr lang="en-AU" sz="2000" dirty="0">
-                <a:solidFill>
-                  <a:schemeClr val="tx1"/>
-                </a:solidFill>
-              </a:rPr>
-              <a:t>to view this </a:t>
-            </a:r>
-            <a:r>
-              <a:rPr lang="en-AU" sz="2000" dirty="0" smtClean="0">
-                <a:solidFill>
-                  <a:schemeClr val="tx1"/>
-                </a:solidFill>
-              </a:rPr>
-              <a:t>information.</a:t>
-            </a:r>
-            <a:endParaRPr lang="en-AU" sz="2000" dirty="0">
-              <a:solidFill>
-                <a:schemeClr val="tx1"/>
-              </a:solidFill>
-            </a:endParaRPr>
+              <a:t>The staff member has access to view this information.</a:t>
+            </a:r>
           </a:p>
           <a:p>
             <a:pPr marL="179388" indent="-179388">
@@ -4210,36 +4198,12 @@
               <a:buChar char="•"/>
             </a:pPr>
             <a:r>
-              <a:rPr lang="en-US" sz="2000" dirty="0" smtClean="0">
-                <a:solidFill>
-                  <a:schemeClr val="tx1"/>
-                </a:solidFill>
-              </a:rPr>
-              <a:t>The Staff Member is </a:t>
-            </a:r>
-            <a:r>
-              <a:rPr lang="en-US" sz="2000" dirty="0" smtClean="0">
-                <a:solidFill>
-                  <a:schemeClr val="tx1"/>
-                </a:solidFill>
-              </a:rPr>
-              <a:t>trusted </a:t>
-            </a:r>
-            <a:r>
               <a:rPr lang="en-US" sz="2000" dirty="0">
                 <a:solidFill>
                   <a:schemeClr val="tx1"/>
                 </a:solidFill>
               </a:rPr>
-              <a:t>with this </a:t>
-            </a:r>
-            <a:r>
-              <a:rPr lang="en-US" sz="2000" dirty="0" smtClean="0">
-                <a:solidFill>
-                  <a:schemeClr val="tx1"/>
-                </a:solidFill>
-              </a:rPr>
-              <a:t>information.</a:t>
+              <a:t>The Staff Member is trusted with this information.</a:t>
             </a:r>
             <a:endParaRPr lang="en-AU" sz="2000" dirty="0">
               <a:solidFill>
@@ -4358,18 +4322,13 @@
           <a:p>
             <a:pPr algn="ctr"/>
             <a:r>
-              <a:rPr lang="en-AU" sz="2000" dirty="0" smtClean="0">
+              <a:rPr lang="en-AU" sz="2000" dirty="0">
                 <a:solidFill>
                   <a:schemeClr val="tx1"/>
                 </a:solidFill>
               </a:rPr>
               <a:t>MED</a:t>
             </a:r>
-            <a:endParaRPr lang="en-AU" sz="2000" dirty="0">
-              <a:solidFill>
-                <a:schemeClr val="tx1"/>
-              </a:solidFill>
-            </a:endParaRPr>
           </a:p>
         </p:txBody>
       </p:sp>
@@ -4419,18 +4378,13 @@
           <a:lstStyle/>
           <a:p>
             <a:r>
-              <a:rPr lang="en-AU" sz="2000" dirty="0" smtClean="0">
+              <a:rPr lang="en-AU" sz="2000" dirty="0">
                 <a:solidFill>
                   <a:schemeClr val="tx1"/>
                 </a:solidFill>
               </a:rPr>
               <a:t>Notes:</a:t>
             </a:r>
-            <a:endParaRPr lang="en-AU" sz="2000" dirty="0">
-              <a:solidFill>
-                <a:schemeClr val="tx1"/>
-              </a:solidFill>
-            </a:endParaRPr>
           </a:p>
           <a:p>
             <a:pPr marL="179388" indent="-179388">
@@ -4438,20 +4392,12 @@
               <a:buChar char="•"/>
             </a:pPr>
             <a:r>
-              <a:rPr lang="en-AU" sz="2000" dirty="0" smtClean="0">
-                <a:solidFill>
-                  <a:schemeClr val="tx1"/>
-                </a:solidFill>
-              </a:rPr>
-              <a:t>Should </a:t>
-            </a:r>
-            <a:r>
               <a:rPr lang="en-AU" sz="2000" dirty="0">
                 <a:solidFill>
                   <a:schemeClr val="tx1"/>
                 </a:solidFill>
               </a:rPr>
-              <a:t>be careful giving out tenant information due to privacy.</a:t>
+              <a:t>Should be careful giving out tenant information due to privacy.</a:t>
             </a:r>
           </a:p>
           <a:p>
@@ -4543,7 +4489,7 @@
           <a:p>
             <a:pPr algn="ctr"/>
             <a:r>
-              <a:rPr lang="en-US" sz="2000" dirty="0" smtClean="0">
+              <a:rPr lang="en-US" sz="2000" dirty="0">
                 <a:solidFill>
                   <a:schemeClr val="tx1"/>
                 </a:solidFill>
@@ -4662,15 +4608,7 @@
                   <a:schemeClr val="tx1"/>
                 </a:solidFill>
               </a:rPr>
-              <a:t>As a tenant, I want to be able to view information of the properties (incl. location, price, rooms, carports, bathrooms, pictures etc.), </a:t>
-            </a:r>
-            <a:r>
-              <a:rPr lang="en-AU" sz="2000" dirty="0" smtClean="0">
-                <a:solidFill>
-                  <a:schemeClr val="tx1"/>
-                </a:solidFill>
-              </a:rPr>
-              <a:t>so that I can be informed about the property.</a:t>
+              <a:t>As a tenant, I want to be able to view information of the properties (incl. location, price, rooms, carports, bathrooms, pictures etc.), so that I can be informed about the property.</a:t>
             </a:r>
             <a:endParaRPr lang="en-AU" sz="2800" dirty="0">
               <a:solidFill>
@@ -4734,21 +4672,8 @@
                   <a:schemeClr val="tx1"/>
                 </a:solidFill>
               </a:rPr>
-              <a:t>Acceptance </a:t>
-            </a:r>
-            <a:r>
-              <a:rPr lang="en-AU" sz="2000" dirty="0" smtClean="0">
-                <a:solidFill>
-                  <a:schemeClr val="tx1"/>
-                </a:solidFill>
-              </a:rPr>
-              <a:t>Criteria:</a:t>
-            </a:r>
-            <a:endParaRPr lang="en-AU" sz="2000" dirty="0">
-              <a:solidFill>
-                <a:schemeClr val="tx1"/>
-              </a:solidFill>
-            </a:endParaRPr>
+              <a:t>Acceptance Criteria:</a:t>
+            </a:r>
           </a:p>
           <a:p>
             <a:pPr marL="179388" indent="-179388">
@@ -4756,18 +4681,13 @@
               <a:buChar char="•"/>
             </a:pPr>
             <a:r>
-              <a:rPr lang="en-AU" sz="2000" dirty="0" smtClean="0">
+              <a:rPr lang="en-AU" sz="2000" dirty="0">
                 <a:solidFill>
                   <a:schemeClr val="tx1"/>
                 </a:solidFill>
               </a:rPr>
               <a:t>There is enough information.</a:t>
             </a:r>
-            <a:endParaRPr lang="en-AU" sz="2000" dirty="0">
-              <a:solidFill>
-                <a:schemeClr val="tx1"/>
-              </a:solidFill>
-            </a:endParaRPr>
           </a:p>
           <a:p>
             <a:pPr marL="179388" indent="-179388">
@@ -4775,18 +4695,13 @@
               <a:buChar char="•"/>
             </a:pPr>
             <a:r>
-              <a:rPr lang="en-US" sz="2000" dirty="0" smtClean="0">
+              <a:rPr lang="en-US" sz="2000" dirty="0">
                 <a:solidFill>
                   <a:schemeClr val="tx1"/>
                 </a:solidFill>
               </a:rPr>
               <a:t>The information is presented well.</a:t>
             </a:r>
-            <a:endParaRPr lang="en-US" sz="2000" dirty="0">
-              <a:solidFill>
-                <a:schemeClr val="tx1"/>
-              </a:solidFill>
-            </a:endParaRPr>
           </a:p>
           <a:p>
             <a:pPr marL="179388" indent="-179388">
@@ -4794,28 +4709,12 @@
               <a:buChar char="•"/>
             </a:pPr>
             <a:r>
-              <a:rPr lang="en-US" sz="2000" dirty="0" smtClean="0">
-                <a:solidFill>
-                  <a:schemeClr val="tx1"/>
-                </a:solidFill>
-              </a:rPr>
-              <a:t>The tenant can filter </a:t>
-            </a:r>
-            <a:r>
               <a:rPr lang="en-US" sz="2000" dirty="0">
                 <a:solidFill>
                   <a:schemeClr val="tx1"/>
                 </a:solidFill>
               </a:rPr>
-              <a:t>by </a:t>
-            </a:r>
-            <a:r>
-              <a:rPr lang="en-US" sz="2000" dirty="0" smtClean="0">
-                <a:solidFill>
-                  <a:schemeClr val="tx1"/>
-                </a:solidFill>
-              </a:rPr>
-              <a:t>categories.</a:t>
+              <a:t>The tenant can filter by categories.</a:t>
             </a:r>
             <a:endParaRPr lang="en-AU" sz="2000" dirty="0">
               <a:solidFill>
@@ -5009,24 +4908,11 @@
                   <a:schemeClr val="tx1"/>
                 </a:solidFill>
               </a:rPr>
-              <a:t> </a:t>
-            </a:r>
-            <a:r>
-              <a:rPr lang="en-AU" sz="2000" dirty="0" smtClean="0">
-                <a:solidFill>
-                  <a:schemeClr val="tx1"/>
-                </a:solidFill>
-              </a:rPr>
-              <a:t>This assumes that all of the relevant property information is uploaded into the database and can be viewed properly on the website.</a:t>
-            </a:r>
+              <a:t> This assumes that all of the relevant property information is uploaded into the database and can be viewed properly on the website.</a:t>
+            </a:r>
+          </a:p>
+          <a:p>
             <a:endParaRPr lang="en-AU" sz="2000" dirty="0">
-              <a:solidFill>
-                <a:schemeClr val="tx1"/>
-              </a:solidFill>
-            </a:endParaRPr>
-          </a:p>
-          <a:p>
-            <a:endParaRPr lang="en-AU" sz="2000" dirty="0" smtClean="0">
               <a:solidFill>
                 <a:schemeClr val="tx1"/>
               </a:solidFill>
@@ -5114,7 +5000,7 @@
           <a:p>
             <a:pPr algn="ctr"/>
             <a:r>
-              <a:rPr lang="en-US" sz="2000" dirty="0" smtClean="0">
+              <a:rPr lang="en-US" sz="2000" dirty="0">
                 <a:solidFill>
                   <a:schemeClr val="tx1"/>
                 </a:solidFill>
@@ -5233,18 +5119,10 @@
                   <a:schemeClr val="tx1"/>
                 </a:solidFill>
               </a:rPr>
-              <a:t>As a guest, I want to be able to book an inspection and apply for the house, so that I </a:t>
-            </a:r>
-            <a:r>
-              <a:rPr lang="en-AU" sz="2000" dirty="0" smtClean="0">
-                <a:solidFill>
-                  <a:schemeClr val="tx1"/>
-                </a:solidFill>
-              </a:rPr>
-              <a:t>can view the property </a:t>
-            </a:r>
-            <a:r>
-              <a:rPr lang="en-AU" sz="2000" i="1" dirty="0" smtClean="0">
+              <a:t>As a guest, I want to be able to book an inspection and apply for the house, so that I can view the property </a:t>
+            </a:r>
+            <a:r>
+              <a:rPr lang="en-AU" sz="2000" i="1" dirty="0">
                 <a:solidFill>
                   <a:schemeClr val="tx1"/>
                 </a:solidFill>
@@ -5252,7 +5130,7 @@
               <a:t>in real life</a:t>
             </a:r>
             <a:r>
-              <a:rPr lang="en-AU" sz="2000" dirty="0" smtClean="0">
+              <a:rPr lang="en-AU" sz="2000" dirty="0">
                 <a:solidFill>
                   <a:schemeClr val="tx1"/>
                 </a:solidFill>
@@ -5321,21 +5199,8 @@
                   <a:schemeClr val="tx1"/>
                 </a:solidFill>
               </a:rPr>
-              <a:t>Acceptance </a:t>
-            </a:r>
-            <a:r>
-              <a:rPr lang="en-AU" sz="2000" dirty="0" smtClean="0">
-                <a:solidFill>
-                  <a:schemeClr val="tx1"/>
-                </a:solidFill>
-              </a:rPr>
-              <a:t>Criteria:</a:t>
-            </a:r>
-            <a:endParaRPr lang="en-AU" sz="2000" dirty="0">
-              <a:solidFill>
-                <a:schemeClr val="tx1"/>
-              </a:solidFill>
-            </a:endParaRPr>
+              <a:t>Acceptance Criteria:</a:t>
+            </a:r>
           </a:p>
           <a:p>
             <a:pPr marL="179388" indent="-179388">
@@ -5343,36 +5208,12 @@
               <a:buChar char="•"/>
             </a:pPr>
             <a:r>
-              <a:rPr lang="en-AU" sz="2000" dirty="0" smtClean="0">
-                <a:solidFill>
-                  <a:schemeClr val="tx1"/>
-                </a:solidFill>
-              </a:rPr>
-              <a:t>I am allowed </a:t>
-            </a:r>
-            <a:r>
               <a:rPr lang="en-AU" sz="2000" dirty="0">
                 <a:solidFill>
                   <a:schemeClr val="tx1"/>
                 </a:solidFill>
               </a:rPr>
-              <a:t>to apply for the </a:t>
-            </a:r>
-            <a:r>
-              <a:rPr lang="en-AU" sz="2000" dirty="0" smtClean="0">
-                <a:solidFill>
-                  <a:schemeClr val="tx1"/>
-                </a:solidFill>
-              </a:rPr>
-              <a:t>house and/or book </a:t>
-            </a:r>
-            <a:r>
-              <a:rPr lang="en-AU" sz="2000" dirty="0">
-                <a:solidFill>
-                  <a:schemeClr val="tx1"/>
-                </a:solidFill>
-              </a:rPr>
-              <a:t>an inspection.</a:t>
+              <a:t>I am allowed to apply for the house and/or book an inspection.</a:t>
             </a:r>
           </a:p>
           <a:p>
@@ -5381,42 +5222,13 @@
               <a:buChar char="•"/>
             </a:pPr>
             <a:r>
-              <a:rPr lang="en-US" sz="2000" dirty="0" smtClean="0">
-                <a:solidFill>
-                  <a:schemeClr val="tx1"/>
-                </a:solidFill>
-              </a:rPr>
-              <a:t>I can be </a:t>
-            </a:r>
-            <a:r>
               <a:rPr lang="en-US" sz="2000" dirty="0">
                 <a:solidFill>
                   <a:schemeClr val="tx1"/>
                 </a:solidFill>
               </a:rPr>
-              <a:t>accepted if there is no information on me as a </a:t>
-            </a:r>
-            <a:r>
-              <a:rPr lang="en-US" sz="2000" dirty="0" smtClean="0">
-                <a:solidFill>
-                  <a:schemeClr val="tx1"/>
-                </a:solidFill>
-              </a:rPr>
-              <a:t>guest</a:t>
-            </a:r>
-            <a:r>
-              <a:rPr lang="en-US" sz="2000" dirty="0" smtClean="0">
-                <a:solidFill>
-                  <a:schemeClr val="tx1"/>
-                </a:solidFill>
-              </a:rPr>
-              <a:t>.</a:t>
-            </a:r>
-            <a:endParaRPr lang="en-US" sz="2000" dirty="0">
-              <a:solidFill>
-                <a:schemeClr val="tx1"/>
-              </a:solidFill>
-            </a:endParaRPr>
+              <a:t>I can be accepted if there is no information on me as a guest.</a:t>
+            </a:r>
           </a:p>
         </p:txBody>
       </p:sp>
@@ -5585,18 +5397,13 @@
           <a:lstStyle/>
           <a:p>
             <a:r>
-              <a:rPr lang="en-AU" sz="2000" dirty="0" smtClean="0">
+              <a:rPr lang="en-AU" sz="2000" dirty="0">
                 <a:solidFill>
                   <a:schemeClr val="tx1"/>
                 </a:solidFill>
               </a:rPr>
               <a:t>Notes:</a:t>
             </a:r>
-            <a:endParaRPr lang="en-AU" sz="2000" dirty="0">
-              <a:solidFill>
-                <a:schemeClr val="tx1"/>
-              </a:solidFill>
-            </a:endParaRPr>
           </a:p>
           <a:p>
             <a:pPr marL="179388" indent="-179388">
@@ -5604,20 +5411,12 @@
               <a:buChar char="•"/>
             </a:pPr>
             <a:r>
-              <a:rPr lang="en-AU" sz="2000" dirty="0" smtClean="0">
-                <a:solidFill>
-                  <a:schemeClr val="tx1"/>
-                </a:solidFill>
-              </a:rPr>
-              <a:t>Guests </a:t>
-            </a:r>
-            <a:r>
               <a:rPr lang="en-AU" sz="2000" dirty="0">
                 <a:solidFill>
                   <a:schemeClr val="tx1"/>
                 </a:solidFill>
               </a:rPr>
-              <a:t>might have to create an account to apply for a property.</a:t>
+              <a:t>Guests might have to create an account to apply for a property.</a:t>
             </a:r>
           </a:p>
           <a:p>
@@ -5709,18 +5508,13 @@
           <a:p>
             <a:pPr algn="ctr"/>
             <a:r>
-              <a:rPr lang="en-AU" sz="2000" dirty="0" smtClean="0">
+              <a:rPr lang="en-AU" sz="2000" dirty="0">
                 <a:solidFill>
                   <a:schemeClr val="tx1"/>
                 </a:solidFill>
               </a:rPr>
               <a:t>11</a:t>
             </a:r>
-            <a:endParaRPr lang="en-AU" sz="2000" dirty="0">
-              <a:solidFill>
-                <a:schemeClr val="tx1"/>
-              </a:solidFill>
-            </a:endParaRPr>
           </a:p>
         </p:txBody>
       </p:sp>
@@ -5768,10 +5562,9 @@
           <a:p>
             <a:pPr algn="ctr"/>
             <a:r>
-              <a:rPr lang="en-AU" sz="2800" dirty="0" smtClean="0"/>
+              <a:rPr lang="en-AU" sz="2800" dirty="0"/>
               <a:t>Access Controls</a:t>
             </a:r>
-            <a:endParaRPr lang="en-AU" sz="2800" dirty="0"/>
           </a:p>
         </p:txBody>
       </p:sp>
@@ -5824,36 +5617,12 @@
           <a:lstStyle/>
           <a:p>
             <a:r>
-              <a:rPr lang="en-AU" sz="2000" dirty="0" smtClean="0">
-                <a:solidFill>
-                  <a:schemeClr val="tx1"/>
-                </a:solidFill>
-              </a:rPr>
-              <a:t>As </a:t>
-            </a:r>
-            <a:r>
               <a:rPr lang="en-AU" sz="2000" dirty="0">
                 <a:solidFill>
                   <a:schemeClr val="tx1"/>
                 </a:solidFill>
               </a:rPr>
-              <a:t>David, I want there to </a:t>
-            </a:r>
-            <a:r>
-              <a:rPr lang="en-AU" sz="2000" dirty="0" smtClean="0">
-                <a:solidFill>
-                  <a:schemeClr val="tx1"/>
-                </a:solidFill>
-              </a:rPr>
-              <a:t>be </a:t>
-            </a:r>
-            <a:r>
-              <a:rPr lang="en-AU" sz="2000" dirty="0">
-                <a:solidFill>
-                  <a:schemeClr val="tx1"/>
-                </a:solidFill>
-              </a:rPr>
-              <a:t>different access controls for the website, so that I can control how much access people have over the website.</a:t>
+              <a:t>As David, I want there to be different access controls for the website, so that I can control how much access people have over the website.</a:t>
             </a:r>
           </a:p>
         </p:txBody>
@@ -5912,21 +5681,8 @@
                   <a:schemeClr val="tx1"/>
                 </a:solidFill>
               </a:rPr>
-              <a:t>Acceptance </a:t>
-            </a:r>
-            <a:r>
-              <a:rPr lang="en-AU" sz="2000" dirty="0" smtClean="0">
-                <a:solidFill>
-                  <a:schemeClr val="tx1"/>
-                </a:solidFill>
-              </a:rPr>
-              <a:t>Criteria:</a:t>
-            </a:r>
-            <a:endParaRPr lang="en-AU" sz="2000" dirty="0">
-              <a:solidFill>
-                <a:schemeClr val="tx1"/>
-              </a:solidFill>
-            </a:endParaRPr>
+              <a:t>Acceptance Criteria:</a:t>
+            </a:r>
           </a:p>
           <a:p>
             <a:pPr marL="179388" indent="-179388">
@@ -5934,34 +5690,13 @@
               <a:buChar char="•"/>
             </a:pPr>
             <a:r>
-              <a:rPr lang="en-AU" sz="2000" dirty="0" smtClean="0">
-                <a:solidFill>
-                  <a:schemeClr val="tx1"/>
-                </a:solidFill>
-              </a:rPr>
-              <a:t>David is able </a:t>
-            </a:r>
-            <a:r>
               <a:rPr lang="en-AU" sz="2000" dirty="0">
                 <a:solidFill>
                   <a:schemeClr val="tx1"/>
                 </a:solidFill>
               </a:rPr>
-              <a:t>to change people’s </a:t>
-            </a:r>
-            <a:r>
-              <a:rPr lang="en-AU" sz="2000" dirty="0" smtClean="0">
-                <a:solidFill>
-                  <a:schemeClr val="tx1"/>
-                </a:solidFill>
-              </a:rPr>
-              <a:t>access.</a:t>
-            </a:r>
-            <a:endParaRPr lang="en-AU" sz="2000" dirty="0">
-              <a:solidFill>
-                <a:schemeClr val="tx1"/>
-              </a:solidFill>
-            </a:endParaRPr>
+              <a:t>David is able to change people’s access.</a:t>
+            </a:r>
           </a:p>
           <a:p>
             <a:pPr marL="179388" indent="-179388">
@@ -5969,34 +5704,13 @@
               <a:buChar char="•"/>
             </a:pPr>
             <a:r>
-              <a:rPr lang="en-AU" sz="2000" dirty="0" smtClean="0">
-                <a:solidFill>
-                  <a:schemeClr val="tx1"/>
-                </a:solidFill>
-              </a:rPr>
-              <a:t>David can view </a:t>
-            </a:r>
-            <a:r>
               <a:rPr lang="en-AU" sz="2000" dirty="0">
                 <a:solidFill>
                   <a:schemeClr val="tx1"/>
                 </a:solidFill>
               </a:rPr>
-              <a:t>what access control levels people are </a:t>
-            </a:r>
-            <a:r>
-              <a:rPr lang="en-AU" sz="2000" dirty="0" smtClean="0">
-                <a:solidFill>
-                  <a:schemeClr val="tx1"/>
-                </a:solidFill>
-              </a:rPr>
-              <a:t>on.</a:t>
-            </a:r>
-            <a:endParaRPr lang="en-AU" sz="2000" dirty="0">
-              <a:solidFill>
-                <a:schemeClr val="tx1"/>
-              </a:solidFill>
-            </a:endParaRPr>
+              <a:t>David can view what access control levels people are on.</a:t>
+            </a:r>
           </a:p>
         </p:txBody>
       </p:sp>
@@ -6109,18 +5823,13 @@
           <a:p>
             <a:pPr algn="ctr"/>
             <a:r>
-              <a:rPr lang="en-AU" sz="2000" dirty="0" smtClean="0">
+              <a:rPr lang="en-AU" sz="2000" dirty="0">
                 <a:solidFill>
                   <a:schemeClr val="tx1"/>
                 </a:solidFill>
               </a:rPr>
               <a:t>MED</a:t>
             </a:r>
-            <a:endParaRPr lang="en-AU" sz="2000" dirty="0">
-              <a:solidFill>
-                <a:schemeClr val="tx1"/>
-              </a:solidFill>
-            </a:endParaRPr>
           </a:p>
         </p:txBody>
       </p:sp>
@@ -6170,18 +5879,13 @@
           <a:lstStyle/>
           <a:p>
             <a:r>
-              <a:rPr lang="en-AU" sz="2000" dirty="0" smtClean="0">
+              <a:rPr lang="en-AU" sz="2000" dirty="0">
                 <a:solidFill>
                   <a:schemeClr val="tx1"/>
                 </a:solidFill>
               </a:rPr>
               <a:t>Notes:</a:t>
             </a:r>
-            <a:endParaRPr lang="en-AU" sz="2000" dirty="0">
-              <a:solidFill>
-                <a:schemeClr val="tx1"/>
-              </a:solidFill>
-            </a:endParaRPr>
           </a:p>
           <a:p>
             <a:pPr marL="179388" indent="-179388">
@@ -6189,20 +5893,12 @@
               <a:buChar char="•"/>
             </a:pPr>
             <a:r>
-              <a:rPr lang="en-AU" sz="2000" dirty="0" smtClean="0">
-                <a:solidFill>
-                  <a:schemeClr val="tx1"/>
-                </a:solidFill>
-              </a:rPr>
-              <a:t>Needs </a:t>
-            </a:r>
-            <a:r>
               <a:rPr lang="en-AU" sz="2000" dirty="0">
                 <a:solidFill>
                   <a:schemeClr val="tx1"/>
                 </a:solidFill>
               </a:rPr>
-              <a:t>to be able to view what control levels all members are on. </a:t>
+              <a:t>Needs to be able to view what control levels all members are on. </a:t>
             </a:r>
           </a:p>
           <a:p>
@@ -6294,7 +5990,7 @@
           <a:p>
             <a:pPr algn="ctr"/>
             <a:r>
-              <a:rPr lang="en-US" sz="2000" dirty="0" smtClean="0">
+              <a:rPr lang="en-US" sz="2000" dirty="0">
                 <a:solidFill>
                   <a:schemeClr val="tx1"/>
                 </a:solidFill>
@@ -6413,15 +6109,7 @@
                   <a:schemeClr val="tx1"/>
                 </a:solidFill>
               </a:rPr>
-              <a:t>As a website user, I want to be able to contact the staff, so that I can </a:t>
-            </a:r>
-            <a:r>
-              <a:rPr lang="en-AU" sz="2000" dirty="0" smtClean="0">
-                <a:solidFill>
-                  <a:schemeClr val="tx1"/>
-                </a:solidFill>
-              </a:rPr>
-              <a:t>gather information about the properties.</a:t>
+              <a:t>As a website user, I want to be able to contact the staff, so that I can gather information about the properties.</a:t>
             </a:r>
             <a:endParaRPr lang="en-AU" sz="2800" dirty="0">
               <a:solidFill>
@@ -6494,34 +6182,13 @@
               <a:buChar char="•"/>
             </a:pPr>
             <a:r>
-              <a:rPr lang="en-AU" sz="2000" dirty="0" smtClean="0">
-                <a:solidFill>
-                  <a:schemeClr val="tx1"/>
-                </a:solidFill>
-              </a:rPr>
-              <a:t>Anyone can get </a:t>
-            </a:r>
-            <a:r>
               <a:rPr lang="en-AU" sz="2000" dirty="0">
                 <a:solidFill>
                   <a:schemeClr val="tx1"/>
                 </a:solidFill>
               </a:rPr>
-              <a:t>their details from the </a:t>
-            </a:r>
-            <a:r>
-              <a:rPr lang="en-AU" sz="2000" dirty="0" smtClean="0">
-                <a:solidFill>
-                  <a:schemeClr val="tx1"/>
-                </a:solidFill>
-              </a:rPr>
-              <a:t>website.</a:t>
-            </a:r>
-            <a:endParaRPr lang="en-AU" sz="2000" dirty="0">
-              <a:solidFill>
-                <a:schemeClr val="tx1"/>
-              </a:solidFill>
-            </a:endParaRPr>
+              <a:t>Anyone can get their details from the website.</a:t>
+            </a:r>
           </a:p>
           <a:p>
             <a:pPr marL="179388" indent="-179388">
@@ -6529,34 +6196,13 @@
               <a:buChar char="•"/>
             </a:pPr>
             <a:r>
-              <a:rPr lang="en-US" sz="2000" dirty="0" smtClean="0">
-                <a:solidFill>
-                  <a:schemeClr val="tx1"/>
-                </a:solidFill>
-              </a:rPr>
-              <a:t>You can attach </a:t>
-            </a:r>
-            <a:r>
               <a:rPr lang="en-US" sz="2000" dirty="0">
                 <a:solidFill>
                   <a:schemeClr val="tx1"/>
                 </a:solidFill>
               </a:rPr>
-              <a:t>your contact </a:t>
-            </a:r>
-            <a:r>
-              <a:rPr lang="en-US" sz="2000" dirty="0" smtClean="0">
-                <a:solidFill>
-                  <a:schemeClr val="tx1"/>
-                </a:solidFill>
-              </a:rPr>
-              <a:t>information.</a:t>
-            </a:r>
-            <a:endParaRPr lang="en-US" sz="2000" dirty="0">
-              <a:solidFill>
-                <a:schemeClr val="tx1"/>
-              </a:solidFill>
-            </a:endParaRPr>
+              <a:t>You can attach your contact information.</a:t>
+            </a:r>
           </a:p>
           <a:p>
             <a:pPr marL="179388" indent="-179388">
@@ -6564,36 +6210,12 @@
               <a:buChar char="•"/>
             </a:pPr>
             <a:r>
-              <a:rPr lang="en-US" sz="2000" smtClean="0">
-                <a:solidFill>
-                  <a:schemeClr val="tx1"/>
-                </a:solidFill>
-              </a:rPr>
-              <a:t>Staff are </a:t>
-            </a:r>
-            <a:r>
-              <a:rPr lang="en-US" sz="2000" smtClean="0">
-                <a:solidFill>
-                  <a:schemeClr val="tx1"/>
-                </a:solidFill>
-              </a:rPr>
-              <a:t>available </a:t>
-            </a:r>
-            <a:r>
               <a:rPr lang="en-US" sz="2000">
                 <a:solidFill>
                   <a:schemeClr val="tx1"/>
                 </a:solidFill>
               </a:rPr>
-              <a:t>to </a:t>
-            </a:r>
-            <a:r>
-              <a:rPr lang="en-US" sz="2000" smtClean="0">
-                <a:solidFill>
-                  <a:schemeClr val="tx1"/>
-                </a:solidFill>
-              </a:rPr>
-              <a:t>reply.</a:t>
+              <a:t>Staff are available to reply.</a:t>
             </a:r>
             <a:endParaRPr lang="en-US" sz="2000" dirty="0">
               <a:solidFill>
@@ -6734,18 +6356,13 @@
           <a:p>
             <a:pPr algn="ctr"/>
             <a:r>
-              <a:rPr lang="en-AU" sz="2000" dirty="0" smtClean="0">
+              <a:rPr lang="en-AU" sz="2000" dirty="0">
                 <a:solidFill>
                   <a:schemeClr val="tx1"/>
                 </a:solidFill>
               </a:rPr>
               <a:t>LOW</a:t>
             </a:r>
-            <a:endParaRPr lang="en-AU" sz="2000" dirty="0">
-              <a:solidFill>
-                <a:schemeClr val="tx1"/>
-              </a:solidFill>
-            </a:endParaRPr>
           </a:p>
         </p:txBody>
       </p:sp>
@@ -7025,21 +6642,8 @@
                   <a:schemeClr val="tx1"/>
                 </a:solidFill>
               </a:rPr>
-              <a:t>As a Tenant , I want to be able to log into the website, so that I can check the details of the </a:t>
-            </a:r>
-            <a:r>
-              <a:rPr lang="en-AU" sz="2400" dirty="0" smtClean="0">
-                <a:solidFill>
-                  <a:schemeClr val="tx1"/>
-                </a:solidFill>
-              </a:rPr>
-              <a:t>properties.</a:t>
-            </a:r>
-            <a:endParaRPr lang="en-AU" sz="2400" dirty="0">
-              <a:solidFill>
-                <a:schemeClr val="tx1"/>
-              </a:solidFill>
-            </a:endParaRPr>
+              <a:t>As a Tenant , I want to be able to log into the website, so that I can check the details of the properties.</a:t>
+            </a:r>
           </a:p>
         </p:txBody>
       </p:sp>
@@ -7106,34 +6710,13 @@
               <a:buChar char="•"/>
             </a:pPr>
             <a:r>
-              <a:rPr lang="en-AU" sz="2000" dirty="0" smtClean="0">
-                <a:solidFill>
-                  <a:schemeClr val="tx1"/>
-                </a:solidFill>
-              </a:rPr>
-              <a:t>The tenant can </a:t>
-            </a:r>
-            <a:r>
               <a:rPr lang="en-AU" sz="2000" dirty="0">
                 <a:solidFill>
                   <a:schemeClr val="tx1"/>
                 </a:solidFill>
               </a:rPr>
-              <a:t>log </a:t>
-            </a:r>
-            <a:r>
-              <a:rPr lang="en-AU" sz="2000" dirty="0" smtClean="0">
-                <a:solidFill>
-                  <a:schemeClr val="tx1"/>
-                </a:solidFill>
-              </a:rPr>
-              <a:t>in easily to the website.</a:t>
-            </a:r>
-            <a:endParaRPr lang="en-AU" sz="2000" dirty="0">
-              <a:solidFill>
-                <a:schemeClr val="tx1"/>
-              </a:solidFill>
-            </a:endParaRPr>
+              <a:t>The tenant can log in easily to the website.</a:t>
+            </a:r>
           </a:p>
           <a:p>
             <a:pPr marL="179388" indent="-179388">
@@ -7141,34 +6724,13 @@
               <a:buChar char="•"/>
             </a:pPr>
             <a:r>
-              <a:rPr lang="en-US" sz="2000" dirty="0" smtClean="0">
-                <a:solidFill>
-                  <a:schemeClr val="tx1"/>
-                </a:solidFill>
-              </a:rPr>
-              <a:t>The tenant can </a:t>
-            </a:r>
-            <a:r>
               <a:rPr lang="en-US" sz="2000" dirty="0">
                 <a:solidFill>
                   <a:schemeClr val="tx1"/>
                 </a:solidFill>
               </a:rPr>
-              <a:t>see the details of the </a:t>
-            </a:r>
-            <a:r>
-              <a:rPr lang="en-US" sz="2000" dirty="0" smtClean="0">
-                <a:solidFill>
-                  <a:schemeClr val="tx1"/>
-                </a:solidFill>
-              </a:rPr>
-              <a:t>properties.</a:t>
-            </a:r>
-            <a:endParaRPr lang="en-US" sz="2000" dirty="0">
-              <a:solidFill>
-                <a:schemeClr val="tx1"/>
-              </a:solidFill>
-            </a:endParaRPr>
+              <a:t>The tenant can see the details of the properties.</a:t>
+            </a:r>
           </a:p>
           <a:p>
             <a:pPr marL="179388" indent="-179388">
@@ -7176,28 +6738,12 @@
               <a:buChar char="•"/>
             </a:pPr>
             <a:r>
-              <a:rPr lang="en-US" sz="2000" dirty="0" smtClean="0">
-                <a:solidFill>
-                  <a:schemeClr val="tx1"/>
-                </a:solidFill>
-              </a:rPr>
-              <a:t>The website is </a:t>
-            </a:r>
-            <a:r>
               <a:rPr lang="en-US" sz="2000" dirty="0">
                 <a:solidFill>
                   <a:schemeClr val="tx1"/>
                 </a:solidFill>
               </a:rPr>
-              <a:t>easy enough for the prospective tenant to log </a:t>
-            </a:r>
-            <a:r>
-              <a:rPr lang="en-US" sz="2000" dirty="0" smtClean="0">
-                <a:solidFill>
-                  <a:schemeClr val="tx1"/>
-                </a:solidFill>
-              </a:rPr>
-              <a:t>into.</a:t>
+              <a:t>The website is easy enough for the prospective tenant to log into.</a:t>
             </a:r>
             <a:endParaRPr lang="en-AU" sz="2000" dirty="0">
               <a:solidFill>
@@ -7391,31 +6937,7 @@
                   <a:schemeClr val="tx1"/>
                 </a:solidFill>
               </a:rPr>
-              <a:t>This section is very important because with out it </a:t>
-            </a:r>
-            <a:r>
-              <a:rPr lang="en-AU" sz="2000" dirty="0" smtClean="0">
-                <a:solidFill>
-                  <a:schemeClr val="tx1"/>
-                </a:solidFill>
-              </a:rPr>
-              <a:t>David </a:t>
-            </a:r>
-            <a:r>
-              <a:rPr lang="en-AU" sz="2000" dirty="0">
-                <a:solidFill>
-                  <a:schemeClr val="tx1"/>
-                </a:solidFill>
-              </a:rPr>
-              <a:t>won’t be able to attract prospective clients into renting available properties</a:t>
-            </a:r>
-            <a:r>
-              <a:rPr lang="en-AU" sz="2000" dirty="0" smtClean="0">
-                <a:solidFill>
-                  <a:schemeClr val="tx1"/>
-                </a:solidFill>
-              </a:rPr>
-              <a:t>.</a:t>
+              <a:t>This section is very important because with out it David won’t be able to attract prospective clients into renting available properties.</a:t>
             </a:r>
           </a:p>
           <a:p>
@@ -7424,18 +6946,13 @@
               <a:buChar char="•"/>
             </a:pPr>
             <a:r>
-              <a:rPr lang="en-AU" sz="2000" dirty="0" smtClean="0">
+              <a:rPr lang="en-AU" sz="2000" dirty="0">
                 <a:solidFill>
                   <a:schemeClr val="tx1"/>
                 </a:solidFill>
               </a:rPr>
               <a:t>Assumes that the tenant is already signed up and there is an active database. </a:t>
             </a:r>
-            <a:endParaRPr lang="en-AU" sz="2000" dirty="0">
-              <a:solidFill>
-                <a:schemeClr val="tx1"/>
-              </a:solidFill>
-            </a:endParaRPr>
           </a:p>
         </p:txBody>
       </p:sp>
@@ -7638,23 +7155,7 @@
                   <a:schemeClr val="tx1"/>
                 </a:solidFill>
               </a:rPr>
-              <a:t>As </a:t>
-            </a:r>
-            <a:r>
-              <a:rPr lang="en-AU" sz="2400" dirty="0" smtClean="0">
-                <a:solidFill>
-                  <a:schemeClr val="tx1"/>
-                </a:solidFill>
-              </a:rPr>
-              <a:t>David</a:t>
-            </a:r>
-            <a:r>
-              <a:rPr lang="en-AU" sz="2400" dirty="0">
-                <a:solidFill>
-                  <a:schemeClr val="tx1"/>
-                </a:solidFill>
-              </a:rPr>
-              <a:t>, I want to be able to login, create, update and delete the properties,</a:t>
+              <a:t>As David, I want to be able to login, create, update and delete the properties,</a:t>
             </a:r>
             <a:r>
               <a:rPr lang="en-AU" sz="2400" b="1" dirty="0">
@@ -7738,18 +7239,13 @@
               <a:buChar char="•"/>
             </a:pPr>
             <a:r>
-              <a:rPr lang="en-AU" sz="2000" dirty="0" smtClean="0">
+              <a:rPr lang="en-AU" sz="2000" dirty="0">
                 <a:solidFill>
                   <a:schemeClr val="tx1"/>
                 </a:solidFill>
               </a:rPr>
               <a:t>David can press login.</a:t>
             </a:r>
-            <a:endParaRPr lang="en-AU" sz="2000" dirty="0">
-              <a:solidFill>
-                <a:schemeClr val="tx1"/>
-              </a:solidFill>
-            </a:endParaRPr>
           </a:p>
           <a:p>
             <a:pPr marL="179388" indent="-179388">
@@ -7757,34 +7253,13 @@
               <a:buChar char="•"/>
             </a:pPr>
             <a:r>
-              <a:rPr lang="en-US" sz="2000" dirty="0" smtClean="0">
-                <a:solidFill>
-                  <a:schemeClr val="tx1"/>
-                </a:solidFill>
-              </a:rPr>
-              <a:t>David can </a:t>
-            </a:r>
-            <a:r>
               <a:rPr lang="en-US" sz="2000" dirty="0">
                 <a:solidFill>
                   <a:schemeClr val="tx1"/>
                 </a:solidFill>
               </a:rPr>
-              <a:t>easily access these controls (Create, Update, Delete</a:t>
-            </a:r>
-            <a:r>
-              <a:rPr lang="en-US" sz="2000" dirty="0" smtClean="0">
-                <a:solidFill>
-                  <a:schemeClr val="tx1"/>
-                </a:solidFill>
-              </a:rPr>
-              <a:t>).</a:t>
-            </a:r>
-            <a:endParaRPr lang="en-US" sz="2000" dirty="0">
-              <a:solidFill>
-                <a:schemeClr val="tx1"/>
-              </a:solidFill>
-            </a:endParaRPr>
+              <a:t>David can easily access these controls (Create, Update, Delete).</a:t>
+            </a:r>
           </a:p>
           <a:p>
             <a:pPr marL="179388" indent="-179388">
@@ -7792,44 +7267,12 @@
               <a:buChar char="•"/>
             </a:pPr>
             <a:r>
-              <a:rPr lang="en-US" sz="2000" dirty="0" smtClean="0">
-                <a:solidFill>
-                  <a:schemeClr val="tx1"/>
-                </a:solidFill>
-              </a:rPr>
-              <a:t>The </a:t>
-            </a:r>
-            <a:r>
               <a:rPr lang="en-US" sz="2000" dirty="0">
                 <a:solidFill>
                   <a:schemeClr val="tx1"/>
                 </a:solidFill>
               </a:rPr>
-              <a:t>User </a:t>
-            </a:r>
-            <a:r>
-              <a:rPr lang="en-US" sz="2000" dirty="0" smtClean="0">
-                <a:solidFill>
-                  <a:schemeClr val="tx1"/>
-                </a:solidFill>
-              </a:rPr>
-              <a:t>Interface is </a:t>
-            </a:r>
-            <a:r>
-              <a:rPr lang="en-US" sz="2000" dirty="0">
-                <a:solidFill>
-                  <a:schemeClr val="tx1"/>
-                </a:solidFill>
-              </a:rPr>
-              <a:t>friendly enough for </a:t>
-            </a:r>
-            <a:r>
-              <a:rPr lang="en-US" sz="2000" dirty="0" smtClean="0">
-                <a:solidFill>
-                  <a:schemeClr val="tx1"/>
-                </a:solidFill>
-              </a:rPr>
-              <a:t>David.</a:t>
+              <a:t>The User Interface is friendly enough for David.</a:t>
             </a:r>
             <a:endParaRPr lang="en-AU" sz="2000" dirty="0">
               <a:solidFill>
@@ -8004,7 +7447,7 @@
           <a:lstStyle/>
           <a:p>
             <a:r>
-              <a:rPr lang="en-AU" sz="2000" dirty="0" smtClean="0">
+              <a:rPr lang="en-AU" sz="2000" dirty="0">
                 <a:solidFill>
                   <a:schemeClr val="tx1"/>
                 </a:solidFill>
@@ -8018,36 +7461,12 @@
               <a:buChar char="•"/>
             </a:pPr>
             <a:r>
-              <a:rPr lang="en-AU" sz="2000" dirty="0" smtClean="0">
-                <a:solidFill>
-                  <a:schemeClr val="tx1"/>
-                </a:solidFill>
-              </a:rPr>
-              <a:t>Assumes </a:t>
-            </a:r>
-            <a:r>
               <a:rPr lang="en-AU" sz="2000" dirty="0">
                 <a:solidFill>
                   <a:schemeClr val="tx1"/>
                 </a:solidFill>
               </a:rPr>
-              <a:t>that </a:t>
-            </a:r>
-            <a:r>
-              <a:rPr lang="en-AU" sz="2000" dirty="0" smtClean="0">
-                <a:solidFill>
-                  <a:schemeClr val="tx1"/>
-                </a:solidFill>
-              </a:rPr>
-              <a:t>David has admin rights </a:t>
-            </a:r>
-            <a:r>
-              <a:rPr lang="en-AU" sz="2000" dirty="0">
-                <a:solidFill>
-                  <a:schemeClr val="tx1"/>
-                </a:solidFill>
-              </a:rPr>
-              <a:t>and there is an active database. </a:t>
+              <a:t>Assumes that David has admin rights and there is an active database. </a:t>
             </a:r>
           </a:p>
         </p:txBody>
@@ -8246,23 +7665,7 @@
                   <a:schemeClr val="tx1"/>
                 </a:solidFill>
               </a:rPr>
-              <a:t>As a staff </a:t>
-            </a:r>
-            <a:r>
-              <a:rPr lang="en-AU" sz="2400" dirty="0" smtClean="0">
-                <a:solidFill>
-                  <a:schemeClr val="tx1"/>
-                </a:solidFill>
-              </a:rPr>
-              <a:t>member, </a:t>
-            </a:r>
-            <a:r>
-              <a:rPr lang="en-AU" sz="2400" dirty="0">
-                <a:solidFill>
-                  <a:schemeClr val="tx1"/>
-                </a:solidFill>
-              </a:rPr>
-              <a:t>I want to be able to login to the website , so that I can view what properties I have been assigned to. </a:t>
+              <a:t>As a staff member, I want to be able to login to the website , so that I can view what properties I have been assigned to. </a:t>
             </a:r>
           </a:p>
         </p:txBody>
@@ -8330,50 +7733,13 @@
               <a:buChar char="•"/>
             </a:pPr>
             <a:r>
-              <a:rPr lang="en-AU" sz="2000" dirty="0" smtClean="0">
-                <a:solidFill>
-                  <a:schemeClr val="tx1"/>
-                </a:solidFill>
-              </a:rPr>
-              <a:t>The </a:t>
-            </a:r>
-            <a:r>
               <a:rPr lang="en-AU" sz="2000" dirty="0">
                 <a:solidFill>
                   <a:schemeClr val="tx1"/>
                 </a:solidFill>
               </a:rPr>
-              <a:t>staff </a:t>
-            </a:r>
-            <a:r>
-              <a:rPr lang="en-AU" sz="2000" dirty="0" smtClean="0">
-                <a:solidFill>
-                  <a:schemeClr val="tx1"/>
-                </a:solidFill>
-              </a:rPr>
-              <a:t>member can </a:t>
-            </a:r>
-            <a:r>
-              <a:rPr lang="en-AU" sz="2000" dirty="0">
-                <a:solidFill>
-                  <a:schemeClr val="tx1"/>
-                </a:solidFill>
-              </a:rPr>
-              <a:t>login </a:t>
-            </a:r>
-            <a:r>
-              <a:rPr lang="en-AU" sz="2000" dirty="0" smtClean="0">
-                <a:solidFill>
-                  <a:schemeClr val="tx1"/>
-                </a:solidFill>
-              </a:rPr>
-              <a:t>easily.</a:t>
-            </a:r>
-            <a:endParaRPr lang="en-AU" sz="2000" dirty="0">
-              <a:solidFill>
-                <a:schemeClr val="tx1"/>
-              </a:solidFill>
-            </a:endParaRPr>
+              <a:t>The staff member can login easily.</a:t>
+            </a:r>
           </a:p>
           <a:p>
             <a:pPr marL="179388" indent="-179388">
@@ -8381,50 +7747,13 @@
               <a:buChar char="•"/>
             </a:pPr>
             <a:r>
-              <a:rPr lang="en-US" sz="2000" dirty="0" smtClean="0">
-                <a:solidFill>
-                  <a:schemeClr val="tx1"/>
-                </a:solidFill>
-              </a:rPr>
-              <a:t>The </a:t>
-            </a:r>
-            <a:r>
               <a:rPr lang="en-US" sz="2000" dirty="0">
                 <a:solidFill>
                   <a:schemeClr val="tx1"/>
                 </a:solidFill>
               </a:rPr>
-              <a:t>staff member </a:t>
-            </a:r>
-            <a:r>
-              <a:rPr lang="en-US" sz="2000" dirty="0" smtClean="0">
-                <a:solidFill>
-                  <a:schemeClr val="tx1"/>
-                </a:solidFill>
-              </a:rPr>
-              <a:t>can easily </a:t>
-            </a:r>
-            <a:r>
-              <a:rPr lang="en-US" sz="2000" dirty="0">
-                <a:solidFill>
-                  <a:schemeClr val="tx1"/>
-                </a:solidFill>
-              </a:rPr>
-              <a:t>see what properties he/she has been assigned </a:t>
-            </a:r>
-            <a:r>
-              <a:rPr lang="en-US" sz="2000" dirty="0" smtClean="0">
-                <a:solidFill>
-                  <a:schemeClr val="tx1"/>
-                </a:solidFill>
-              </a:rPr>
-              <a:t>to.</a:t>
-            </a:r>
-            <a:endParaRPr lang="en-US" sz="2000" dirty="0">
-              <a:solidFill>
-                <a:schemeClr val="tx1"/>
-              </a:solidFill>
-            </a:endParaRPr>
+              <a:t>The staff member can easily see what properties he/she has been assigned to.</a:t>
+            </a:r>
           </a:p>
           <a:p>
             <a:pPr marL="179388" indent="-179388">
@@ -8432,44 +7761,12 @@
               <a:buChar char="•"/>
             </a:pPr>
             <a:r>
-              <a:rPr lang="en-US" sz="2000" dirty="0" smtClean="0">
-                <a:solidFill>
-                  <a:schemeClr val="tx1"/>
-                </a:solidFill>
-              </a:rPr>
-              <a:t>The </a:t>
-            </a:r>
-            <a:r>
               <a:rPr lang="en-US" sz="2000" dirty="0">
                 <a:solidFill>
                   <a:schemeClr val="tx1"/>
                 </a:solidFill>
               </a:rPr>
-              <a:t>User </a:t>
-            </a:r>
-            <a:r>
-              <a:rPr lang="en-US" sz="2000" dirty="0" smtClean="0">
-                <a:solidFill>
-                  <a:schemeClr val="tx1"/>
-                </a:solidFill>
-              </a:rPr>
-              <a:t>Interface is </a:t>
-            </a:r>
-            <a:r>
-              <a:rPr lang="en-US" sz="2000" dirty="0">
-                <a:solidFill>
-                  <a:schemeClr val="tx1"/>
-                </a:solidFill>
-              </a:rPr>
-              <a:t>friendly enough for staff </a:t>
-            </a:r>
-            <a:r>
-              <a:rPr lang="en-US" sz="2000" dirty="0" smtClean="0">
-                <a:solidFill>
-                  <a:schemeClr val="tx1"/>
-                </a:solidFill>
-              </a:rPr>
-              <a:t>member.</a:t>
+              <a:t>The User Interface is friendly enough for staff member.</a:t>
             </a:r>
             <a:endParaRPr lang="en-AU" sz="2000" dirty="0">
               <a:solidFill>
@@ -8588,18 +7885,13 @@
           <a:p>
             <a:pPr algn="ctr"/>
             <a:r>
-              <a:rPr lang="en-AU" sz="2000" dirty="0" smtClean="0">
+              <a:rPr lang="en-AU" sz="2000" dirty="0">
                 <a:solidFill>
                   <a:schemeClr val="tx1"/>
                 </a:solidFill>
               </a:rPr>
               <a:t>MED</a:t>
             </a:r>
-            <a:endParaRPr lang="en-AU" sz="2000" dirty="0">
-              <a:solidFill>
-                <a:schemeClr val="tx1"/>
-              </a:solidFill>
-            </a:endParaRPr>
           </a:p>
         </p:txBody>
       </p:sp>
@@ -8663,36 +7955,12 @@
               <a:buChar char="•"/>
             </a:pPr>
             <a:r>
-              <a:rPr lang="en-AU" sz="2000" dirty="0" smtClean="0">
-                <a:solidFill>
-                  <a:schemeClr val="tx1"/>
-                </a:solidFill>
-              </a:rPr>
-              <a:t>This </a:t>
-            </a:r>
-            <a:r>
               <a:rPr lang="en-AU" sz="2000" dirty="0">
                 <a:solidFill>
                   <a:schemeClr val="tx1"/>
                 </a:solidFill>
               </a:rPr>
-              <a:t>allows the staff member to keep up to date with the </a:t>
-            </a:r>
-            <a:r>
-              <a:rPr lang="en-AU" sz="2000" dirty="0" smtClean="0">
-                <a:solidFill>
-                  <a:schemeClr val="tx1"/>
-                </a:solidFill>
-              </a:rPr>
-              <a:t>properties he/she </a:t>
-            </a:r>
-            <a:r>
-              <a:rPr lang="en-AU" sz="2000" dirty="0">
-                <a:solidFill>
-                  <a:schemeClr val="tx1"/>
-                </a:solidFill>
-              </a:rPr>
-              <a:t>is dealing with and is easily contactable by prospective tenants.</a:t>
+              <a:t>This allows the staff member to keep up to date with the properties he/she is dealing with and is easily contactable by prospective tenants.</a:t>
             </a:r>
           </a:p>
         </p:txBody>
@@ -8837,13 +8105,8 @@
             <a:pPr algn="ctr"/>
             <a:r>
               <a:rPr lang="en-AU" sz="2800" dirty="0"/>
-              <a:t>Property Owner </a:t>
-            </a:r>
-            <a:r>
-              <a:rPr lang="en-AU" sz="2800" dirty="0" smtClean="0"/>
-              <a:t>Login</a:t>
-            </a:r>
-            <a:endParaRPr lang="en-AU" sz="2800" dirty="0"/>
+              <a:t>Property Owner Login</a:t>
+            </a:r>
           </a:p>
         </p:txBody>
       </p:sp>
@@ -8901,39 +8164,7 @@
                   <a:schemeClr val="tx1"/>
                 </a:solidFill>
               </a:rPr>
-              <a:t>As a property </a:t>
-            </a:r>
-            <a:r>
-              <a:rPr lang="en-AU" sz="2400" dirty="0" smtClean="0">
-                <a:solidFill>
-                  <a:schemeClr val="tx1"/>
-                </a:solidFill>
-              </a:rPr>
-              <a:t>owner, </a:t>
-            </a:r>
-            <a:r>
-              <a:rPr lang="en-AU" sz="2400" dirty="0">
-                <a:solidFill>
-                  <a:schemeClr val="tx1"/>
-                </a:solidFill>
-              </a:rPr>
-              <a:t>I want to be able to login to the </a:t>
-            </a:r>
-            <a:r>
-              <a:rPr lang="en-AU" sz="2400" dirty="0" smtClean="0">
-                <a:solidFill>
-                  <a:schemeClr val="tx1"/>
-                </a:solidFill>
-              </a:rPr>
-              <a:t>website, </a:t>
-            </a:r>
-            <a:r>
-              <a:rPr lang="en-AU" sz="2400" dirty="0">
-                <a:solidFill>
-                  <a:schemeClr val="tx1"/>
-                </a:solidFill>
-              </a:rPr>
-              <a:t>so that I can easily edit the details of my properties.</a:t>
+              <a:t>As a property owner, I want to be able to login to the website, so that I can easily edit the details of my properties.</a:t>
             </a:r>
           </a:p>
         </p:txBody>
@@ -8992,21 +8223,8 @@
                   <a:schemeClr val="tx1"/>
                 </a:solidFill>
               </a:rPr>
-              <a:t>Acceptance </a:t>
-            </a:r>
-            <a:r>
-              <a:rPr lang="en-AU" sz="2000" dirty="0" smtClean="0">
-                <a:solidFill>
-                  <a:schemeClr val="tx1"/>
-                </a:solidFill>
-              </a:rPr>
-              <a:t>Criteria:</a:t>
-            </a:r>
-            <a:endParaRPr lang="en-AU" sz="2000" dirty="0">
-              <a:solidFill>
-                <a:schemeClr val="tx1"/>
-              </a:solidFill>
-            </a:endParaRPr>
+              <a:t>Acceptance Criteria:</a:t>
+            </a:r>
           </a:p>
           <a:p>
             <a:pPr marL="179388" indent="-179388">
@@ -9014,34 +8232,13 @@
               <a:buChar char="•"/>
             </a:pPr>
             <a:r>
-              <a:rPr lang="en-AU" sz="2000" dirty="0" smtClean="0">
-                <a:solidFill>
-                  <a:schemeClr val="tx1"/>
-                </a:solidFill>
-              </a:rPr>
-              <a:t>The property owner can </a:t>
-            </a:r>
-            <a:r>
               <a:rPr lang="en-AU" sz="2000" dirty="0">
                 <a:solidFill>
                   <a:schemeClr val="tx1"/>
                 </a:solidFill>
               </a:rPr>
-              <a:t>login </a:t>
-            </a:r>
-            <a:r>
-              <a:rPr lang="en-AU" sz="2000" dirty="0" smtClean="0">
-                <a:solidFill>
-                  <a:schemeClr val="tx1"/>
-                </a:solidFill>
-              </a:rPr>
-              <a:t>easily.</a:t>
-            </a:r>
-            <a:endParaRPr lang="en-AU" sz="2000" dirty="0">
-              <a:solidFill>
-                <a:schemeClr val="tx1"/>
-              </a:solidFill>
-            </a:endParaRPr>
+              <a:t>The property owner can login easily.</a:t>
+            </a:r>
           </a:p>
           <a:p>
             <a:pPr marL="179388" indent="-179388">
@@ -9049,58 +8246,13 @@
               <a:buChar char="•"/>
             </a:pPr>
             <a:r>
-              <a:rPr lang="en-US" sz="2000" dirty="0" smtClean="0">
-                <a:solidFill>
-                  <a:schemeClr val="tx1"/>
-                </a:solidFill>
-              </a:rPr>
-              <a:t>The</a:t>
-            </a:r>
-            <a:r>
-              <a:rPr lang="en-US" sz="2000" dirty="0" smtClean="0">
-                <a:solidFill>
-                  <a:schemeClr val="tx1"/>
-                </a:solidFill>
-              </a:rPr>
-              <a:t> </a:t>
-            </a:r>
-            <a:r>
               <a:rPr lang="en-US" sz="2000" dirty="0">
                 <a:solidFill>
                   <a:schemeClr val="tx1"/>
                 </a:solidFill>
               </a:rPr>
-              <a:t>property </a:t>
-            </a:r>
-            <a:r>
-              <a:rPr lang="en-US" sz="2000" dirty="0" smtClean="0">
-                <a:solidFill>
-                  <a:schemeClr val="tx1"/>
-                </a:solidFill>
-              </a:rPr>
-              <a:t>owner can </a:t>
-            </a:r>
-            <a:r>
-              <a:rPr lang="en-US" sz="2000" dirty="0">
-                <a:solidFill>
-                  <a:schemeClr val="tx1"/>
-                </a:solidFill>
-              </a:rPr>
-              <a:t>easily access these controls for his/hers own properties (Create, Update, Delete</a:t>
-            </a:r>
-            <a:r>
-              <a:rPr lang="en-US" sz="2000" dirty="0" smtClean="0">
-                <a:solidFill>
-                  <a:schemeClr val="tx1"/>
-                </a:solidFill>
-              </a:rPr>
-              <a:t>).</a:t>
-            </a:r>
-            <a:endParaRPr lang="en-US" sz="2000" dirty="0">
-              <a:solidFill>
-                <a:schemeClr val="tx1"/>
-              </a:solidFill>
-            </a:endParaRPr>
+              <a:t>The property owner can easily access these controls for his/hers own properties (Create, Update, Delete).</a:t>
+            </a:r>
           </a:p>
           <a:p>
             <a:pPr marL="179388" indent="-179388">
@@ -9108,44 +8260,12 @@
               <a:buChar char="•"/>
             </a:pPr>
             <a:r>
-              <a:rPr lang="en-US" sz="2000" dirty="0" smtClean="0">
-                <a:solidFill>
-                  <a:schemeClr val="tx1"/>
-                </a:solidFill>
-              </a:rPr>
-              <a:t>The User </a:t>
-            </a:r>
-            <a:r>
               <a:rPr lang="en-US" sz="2000" dirty="0">
                 <a:solidFill>
                   <a:schemeClr val="tx1"/>
                 </a:solidFill>
               </a:rPr>
-              <a:t>Interface </a:t>
-            </a:r>
-            <a:r>
-              <a:rPr lang="en-US" sz="2000" dirty="0" smtClean="0">
-                <a:solidFill>
-                  <a:schemeClr val="tx1"/>
-                </a:solidFill>
-              </a:rPr>
-              <a:t>is friendly </a:t>
-            </a:r>
-            <a:r>
-              <a:rPr lang="en-US" sz="2000" dirty="0">
-                <a:solidFill>
-                  <a:schemeClr val="tx1"/>
-                </a:solidFill>
-              </a:rPr>
-              <a:t>enough for the property </a:t>
-            </a:r>
-            <a:r>
-              <a:rPr lang="en-US" sz="2000" dirty="0" smtClean="0">
-                <a:solidFill>
-                  <a:schemeClr val="tx1"/>
-                </a:solidFill>
-              </a:rPr>
-              <a:t>owners.</a:t>
+              <a:t>The User Interface is friendly enough for the property owners.</a:t>
             </a:r>
             <a:endParaRPr lang="en-AU" sz="2000" dirty="0">
               <a:solidFill>
@@ -9264,18 +8384,13 @@
           <a:p>
             <a:pPr algn="ctr"/>
             <a:r>
-              <a:rPr lang="en-AU" sz="2000" dirty="0" smtClean="0">
+              <a:rPr lang="en-AU" sz="2000" dirty="0">
                 <a:solidFill>
                   <a:schemeClr val="tx1"/>
                 </a:solidFill>
               </a:rPr>
               <a:t>MED</a:t>
             </a:r>
-            <a:endParaRPr lang="en-AU" sz="2000" dirty="0">
-              <a:solidFill>
-                <a:schemeClr val="tx1"/>
-              </a:solidFill>
-            </a:endParaRPr>
           </a:p>
         </p:txBody>
       </p:sp>
@@ -9325,18 +8440,13 @@
           <a:lstStyle/>
           <a:p>
             <a:r>
-              <a:rPr lang="en-AU" sz="2000" dirty="0" smtClean="0">
+              <a:rPr lang="en-AU" sz="2000" dirty="0">
                 <a:solidFill>
                   <a:schemeClr val="tx1"/>
                 </a:solidFill>
               </a:rPr>
               <a:t>Notes:</a:t>
             </a:r>
-            <a:endParaRPr lang="en-AU" sz="2000" dirty="0">
-              <a:solidFill>
-                <a:schemeClr val="tx1"/>
-              </a:solidFill>
-            </a:endParaRPr>
           </a:p>
           <a:p>
             <a:pPr marL="179388" indent="-179388">
@@ -9349,31 +8459,7 @@
                   <a:schemeClr val="tx1"/>
                 </a:solidFill>
               </a:rPr>
-              <a:t>This is important so the owner of the properties that </a:t>
-            </a:r>
-            <a:r>
-              <a:rPr lang="en-AU" sz="2000" dirty="0" smtClean="0">
-                <a:solidFill>
-                  <a:schemeClr val="tx1"/>
-                </a:solidFill>
-              </a:rPr>
-              <a:t>David </a:t>
-            </a:r>
-            <a:r>
-              <a:rPr lang="en-AU" sz="2000" dirty="0">
-                <a:solidFill>
-                  <a:schemeClr val="tx1"/>
-                </a:solidFill>
-              </a:rPr>
-              <a:t>is managing can update the details of there own properties</a:t>
-            </a:r>
-            <a:r>
-              <a:rPr lang="en-AU" sz="2000" dirty="0" smtClean="0">
-                <a:solidFill>
-                  <a:schemeClr val="tx1"/>
-                </a:solidFill>
-              </a:rPr>
-              <a:t>.</a:t>
+              <a:t>This is important so the owner of the properties that David is managing can update the details of there own properties.</a:t>
             </a:r>
           </a:p>
           <a:p>
@@ -9525,17 +8611,8 @@
             <a:pPr algn="ctr"/>
             <a:r>
               <a:rPr lang="en-AU" sz="2800" dirty="0"/>
-              <a:t>Property </a:t>
-            </a:r>
-            <a:r>
-              <a:rPr lang="en-AU" sz="2800" dirty="0"/>
-              <a:t>S</a:t>
-            </a:r>
-            <a:r>
-              <a:rPr lang="en-AU" sz="2800" dirty="0" smtClean="0"/>
-              <a:t>earch</a:t>
-            </a:r>
-            <a:endParaRPr lang="en-AU" sz="2800" dirty="0"/>
+              <a:t>Property Search</a:t>
+            </a:r>
           </a:p>
         </p:txBody>
       </p:sp>
@@ -9593,53 +8670,8 @@
                   <a:schemeClr val="tx1"/>
                 </a:solidFill>
               </a:rPr>
-              <a:t>As a website </a:t>
-            </a:r>
-            <a:r>
-              <a:rPr lang="en-AU" sz="2400" dirty="0" smtClean="0">
-                <a:solidFill>
-                  <a:schemeClr val="tx1"/>
-                </a:solidFill>
-              </a:rPr>
-              <a:t>user, </a:t>
-            </a:r>
-            <a:r>
-              <a:rPr lang="en-AU" sz="2400" dirty="0">
-                <a:solidFill>
-                  <a:schemeClr val="tx1"/>
-                </a:solidFill>
-              </a:rPr>
-              <a:t>I want to be able to search for </a:t>
-            </a:r>
-            <a:r>
-              <a:rPr lang="en-AU" sz="2400" dirty="0" smtClean="0">
-                <a:solidFill>
-                  <a:schemeClr val="tx1"/>
-                </a:solidFill>
-              </a:rPr>
-              <a:t>properties, </a:t>
-            </a:r>
-            <a:r>
-              <a:rPr lang="en-AU" sz="2400" dirty="0">
-                <a:solidFill>
-                  <a:schemeClr val="tx1"/>
-                </a:solidFill>
-              </a:rPr>
-              <a:t>so that I can narrow the search results by a given set of </a:t>
-            </a:r>
-            <a:r>
-              <a:rPr lang="en-AU" sz="2400" dirty="0" smtClean="0">
-                <a:solidFill>
-                  <a:schemeClr val="tx1"/>
-                </a:solidFill>
-              </a:rPr>
-              <a:t>criteria.</a:t>
-            </a:r>
-            <a:endParaRPr lang="en-AU" sz="2400" dirty="0">
-              <a:solidFill>
-                <a:schemeClr val="tx1"/>
-              </a:solidFill>
-            </a:endParaRPr>
+              <a:t>As a website user, I want to be able to search for properties, so that I can narrow the search results by a given set of criteria.</a:t>
+            </a:r>
           </a:p>
         </p:txBody>
       </p:sp>
@@ -9697,21 +8729,8 @@
                   <a:schemeClr val="tx1"/>
                 </a:solidFill>
               </a:rPr>
-              <a:t>Acceptance </a:t>
-            </a:r>
-            <a:r>
-              <a:rPr lang="en-AU" sz="2000" dirty="0" smtClean="0">
-                <a:solidFill>
-                  <a:schemeClr val="tx1"/>
-                </a:solidFill>
-              </a:rPr>
-              <a:t>Criteria:</a:t>
-            </a:r>
-            <a:endParaRPr lang="en-AU" sz="2000" dirty="0">
-              <a:solidFill>
-                <a:schemeClr val="tx1"/>
-              </a:solidFill>
-            </a:endParaRPr>
+              <a:t>Acceptance Criteria:</a:t>
+            </a:r>
           </a:p>
           <a:p>
             <a:pPr marL="179388" indent="-179388">
@@ -9719,18 +8738,13 @@
               <a:buChar char="•"/>
             </a:pPr>
             <a:r>
-              <a:rPr lang="en-AU" sz="2000" dirty="0" smtClean="0">
+              <a:rPr lang="en-AU" sz="2000" dirty="0">
                 <a:solidFill>
                   <a:schemeClr val="tx1"/>
                 </a:solidFill>
               </a:rPr>
               <a:t>The website is easily navigable.</a:t>
             </a:r>
-            <a:endParaRPr lang="en-AU" sz="2000" dirty="0">
-              <a:solidFill>
-                <a:schemeClr val="tx1"/>
-              </a:solidFill>
-            </a:endParaRPr>
           </a:p>
           <a:p>
             <a:pPr marL="179388" indent="-179388">
@@ -9738,50 +8752,13 @@
               <a:buChar char="•"/>
             </a:pPr>
             <a:r>
-              <a:rPr lang="en-US" sz="2000" dirty="0" smtClean="0">
-                <a:solidFill>
-                  <a:schemeClr val="tx1"/>
-                </a:solidFill>
-              </a:rPr>
-              <a:t>Website </a:t>
-            </a:r>
-            <a:r>
               <a:rPr lang="en-US" sz="2000" dirty="0">
                 <a:solidFill>
                   <a:schemeClr val="tx1"/>
                 </a:solidFill>
               </a:rPr>
-              <a:t>users </a:t>
-            </a:r>
-            <a:r>
-              <a:rPr lang="en-US" sz="2000" dirty="0" smtClean="0">
-                <a:solidFill>
-                  <a:schemeClr val="tx1"/>
-                </a:solidFill>
-              </a:rPr>
-              <a:t>can easily </a:t>
-            </a:r>
-            <a:r>
-              <a:rPr lang="en-US" sz="2000" dirty="0">
-                <a:solidFill>
-                  <a:schemeClr val="tx1"/>
-                </a:solidFill>
-              </a:rPr>
-              <a:t>search for properties using the search </a:t>
-            </a:r>
-            <a:r>
-              <a:rPr lang="en-US" sz="2000" dirty="0" smtClean="0">
-                <a:solidFill>
-                  <a:schemeClr val="tx1"/>
-                </a:solidFill>
-              </a:rPr>
-              <a:t>bar.</a:t>
-            </a:r>
-            <a:endParaRPr lang="en-US" sz="2000" dirty="0">
-              <a:solidFill>
-                <a:schemeClr val="tx1"/>
-              </a:solidFill>
-            </a:endParaRPr>
+              <a:t>Website users can easily search for properties using the search bar.</a:t>
+            </a:r>
           </a:p>
           <a:p>
             <a:pPr marL="179388" indent="-179388">
@@ -9789,44 +8766,12 @@
               <a:buChar char="•"/>
             </a:pPr>
             <a:r>
-              <a:rPr lang="en-US" sz="2000" dirty="0" smtClean="0">
-                <a:solidFill>
-                  <a:schemeClr val="tx1"/>
-                </a:solidFill>
-              </a:rPr>
-              <a:t>The website </a:t>
-            </a:r>
-            <a:r>
               <a:rPr lang="en-US" sz="2000" dirty="0">
                 <a:solidFill>
                   <a:schemeClr val="tx1"/>
                 </a:solidFill>
               </a:rPr>
-              <a:t>user </a:t>
-            </a:r>
-            <a:r>
-              <a:rPr lang="en-US" sz="2000" dirty="0" smtClean="0">
-                <a:solidFill>
-                  <a:schemeClr val="tx1"/>
-                </a:solidFill>
-              </a:rPr>
-              <a:t>can easily </a:t>
-            </a:r>
-            <a:r>
-              <a:rPr lang="en-US" sz="2000" dirty="0">
-                <a:solidFill>
-                  <a:schemeClr val="tx1"/>
-                </a:solidFill>
-              </a:rPr>
-              <a:t>filter down to meet the criteria of there </a:t>
-            </a:r>
-            <a:r>
-              <a:rPr lang="en-US" sz="2000" dirty="0" smtClean="0">
-                <a:solidFill>
-                  <a:schemeClr val="tx1"/>
-                </a:solidFill>
-              </a:rPr>
-              <a:t>needs.</a:t>
+              <a:t>The website user can easily filter down to meet the criteria of there needs.</a:t>
             </a:r>
             <a:endParaRPr lang="en-AU" sz="2000" dirty="0">
               <a:solidFill>
@@ -9945,18 +8890,13 @@
           <a:p>
             <a:pPr algn="ctr"/>
             <a:r>
-              <a:rPr lang="en-AU" sz="2000" dirty="0" smtClean="0">
+              <a:rPr lang="en-AU" sz="2000" dirty="0">
                 <a:solidFill>
                   <a:schemeClr val="tx1"/>
                 </a:solidFill>
               </a:rPr>
               <a:t>MED</a:t>
             </a:r>
-            <a:endParaRPr lang="en-AU" sz="2000" dirty="0">
-              <a:solidFill>
-                <a:schemeClr val="tx1"/>
-              </a:solidFill>
-            </a:endParaRPr>
           </a:p>
         </p:txBody>
       </p:sp>
@@ -10006,18 +8946,13 @@
           <a:lstStyle/>
           <a:p>
             <a:r>
-              <a:rPr lang="en-AU" sz="2000" dirty="0" smtClean="0">
+              <a:rPr lang="en-AU" sz="2000" dirty="0">
                 <a:solidFill>
                   <a:schemeClr val="tx1"/>
                 </a:solidFill>
               </a:rPr>
               <a:t>Notes:</a:t>
             </a:r>
-            <a:endParaRPr lang="en-AU" sz="2000" dirty="0">
-              <a:solidFill>
-                <a:schemeClr val="tx1"/>
-              </a:solidFill>
-            </a:endParaRPr>
           </a:p>
           <a:p>
             <a:pPr marL="179388" indent="-179388">
@@ -10025,20 +8960,12 @@
               <a:buChar char="•"/>
             </a:pPr>
             <a:r>
-              <a:rPr lang="en-AU" sz="2000" dirty="0" smtClean="0">
-                <a:solidFill>
-                  <a:schemeClr val="tx1"/>
-                </a:solidFill>
-              </a:rPr>
-              <a:t>This </a:t>
-            </a:r>
-            <a:r>
               <a:rPr lang="en-AU" sz="2000" dirty="0">
                 <a:solidFill>
                   <a:schemeClr val="tx1"/>
                 </a:solidFill>
               </a:rPr>
-              <a:t>is so the website users will able to navigate easily through the website and filter down to exactly what the user wants/needs. </a:t>
+              <a:t>This is so the website users will able to navigate easily through the website and filter down to exactly what the user wants/needs. </a:t>
             </a:r>
           </a:p>
         </p:txBody>
@@ -10183,13 +9110,8 @@
             <a:pPr algn="ctr"/>
             <a:r>
               <a:rPr lang="en-AU" sz="2800" dirty="0"/>
-              <a:t>Property </a:t>
-            </a:r>
-            <a:r>
-              <a:rPr lang="en-AU" sz="2800" dirty="0" smtClean="0"/>
-              <a:t>View Calendar</a:t>
-            </a:r>
-            <a:endParaRPr lang="en-AU" sz="2800" dirty="0"/>
+              <a:t>Property View Calendar</a:t>
+            </a:r>
           </a:p>
         </p:txBody>
       </p:sp>
@@ -10311,21 +9233,8 @@
                   <a:schemeClr val="tx1"/>
                 </a:solidFill>
               </a:rPr>
-              <a:t>Acceptance </a:t>
-            </a:r>
-            <a:r>
-              <a:rPr lang="en-AU" sz="2000" dirty="0" smtClean="0">
-                <a:solidFill>
-                  <a:schemeClr val="tx1"/>
-                </a:solidFill>
-              </a:rPr>
-              <a:t>Criteria:</a:t>
-            </a:r>
-            <a:endParaRPr lang="en-AU" sz="2000" dirty="0">
-              <a:solidFill>
-                <a:schemeClr val="tx1"/>
-              </a:solidFill>
-            </a:endParaRPr>
+              <a:t>Acceptance Criteria:</a:t>
+            </a:r>
           </a:p>
           <a:p>
             <a:pPr marL="179388" indent="-179388">
@@ -10333,50 +9242,13 @@
               <a:buChar char="•"/>
             </a:pPr>
             <a:r>
-              <a:rPr lang="en-US" sz="2000" dirty="0" smtClean="0">
-                <a:solidFill>
-                  <a:schemeClr val="tx1"/>
-                </a:solidFill>
-              </a:rPr>
-              <a:t>The website </a:t>
-            </a:r>
-            <a:r>
               <a:rPr lang="en-US" sz="2000" dirty="0">
                 <a:solidFill>
                   <a:schemeClr val="tx1"/>
                 </a:solidFill>
               </a:rPr>
-              <a:t>users </a:t>
-            </a:r>
-            <a:r>
-              <a:rPr lang="en-US" sz="2000" dirty="0" smtClean="0">
-                <a:solidFill>
-                  <a:schemeClr val="tx1"/>
-                </a:solidFill>
-              </a:rPr>
-              <a:t>can easily </a:t>
-            </a:r>
-            <a:r>
-              <a:rPr lang="en-US" sz="2000" dirty="0">
-                <a:solidFill>
-                  <a:schemeClr val="tx1"/>
-                </a:solidFill>
-              </a:rPr>
-              <a:t>launch a calendar with available viewing times </a:t>
-            </a:r>
-            <a:r>
-              <a:rPr lang="en-US" sz="2000" dirty="0" smtClean="0">
-                <a:solidFill>
-                  <a:schemeClr val="tx1"/>
-                </a:solidFill>
-              </a:rPr>
-              <a:t>listed.</a:t>
-            </a:r>
-            <a:endParaRPr lang="en-US" sz="2000" dirty="0">
-              <a:solidFill>
-                <a:schemeClr val="tx1"/>
-              </a:solidFill>
-            </a:endParaRPr>
+              <a:t>The website users can easily launch a calendar with available viewing times listed.</a:t>
+            </a:r>
           </a:p>
           <a:p>
             <a:pPr marL="179388" indent="-179388">
@@ -10384,42 +9256,13 @@
               <a:buChar char="•"/>
             </a:pPr>
             <a:r>
-              <a:rPr lang="en-US" sz="2000" dirty="0" smtClean="0">
-                <a:solidFill>
-                  <a:schemeClr val="tx1"/>
-                </a:solidFill>
-              </a:rPr>
-              <a:t>It is clear </a:t>
-            </a:r>
-            <a:r>
               <a:rPr lang="en-US" sz="2000" dirty="0">
                 <a:solidFill>
                   <a:schemeClr val="tx1"/>
                 </a:solidFill>
               </a:rPr>
-              <a:t>which property the calendar is linked </a:t>
-            </a:r>
-            <a:r>
-              <a:rPr lang="en-US" sz="2000" dirty="0" smtClean="0">
-                <a:solidFill>
-                  <a:schemeClr val="tx1"/>
-                </a:solidFill>
-              </a:rPr>
-              <a:t>to</a:t>
-            </a:r>
-            <a:r>
-              <a:rPr lang="en-US" sz="2000" dirty="0">
-                <a:solidFill>
-                  <a:schemeClr val="tx1"/>
-                </a:solidFill>
-              </a:rPr>
-              <a:t>.</a:t>
-            </a:r>
-            <a:endParaRPr lang="en-US" sz="2000" dirty="0">
-              <a:solidFill>
-                <a:schemeClr val="tx1"/>
-              </a:solidFill>
-            </a:endParaRPr>
+              <a:t>It is clear which property the calendar is linked to.</a:t>
+            </a:r>
           </a:p>
           <a:p>
             <a:pPr marL="179388" indent="-179388">
@@ -10432,31 +9275,7 @@
                   <a:schemeClr val="tx1"/>
                 </a:solidFill>
               </a:rPr>
-              <a:t>I</a:t>
-            </a:r>
-            <a:r>
-              <a:rPr lang="en-US" sz="2000" dirty="0" smtClean="0">
-                <a:solidFill>
-                  <a:schemeClr val="tx1"/>
-                </a:solidFill>
-              </a:rPr>
-              <a:t>t is clear </a:t>
-            </a:r>
-            <a:r>
-              <a:rPr lang="en-US" sz="2000" dirty="0">
-                <a:solidFill>
-                  <a:schemeClr val="tx1"/>
-                </a:solidFill>
-              </a:rPr>
-              <a:t>which times are booked/still </a:t>
-            </a:r>
-            <a:r>
-              <a:rPr lang="en-US" sz="2000" dirty="0" smtClean="0">
-                <a:solidFill>
-                  <a:schemeClr val="tx1"/>
-                </a:solidFill>
-              </a:rPr>
-              <a:t>available.</a:t>
+              <a:t>It is clear which times are booked/still available.</a:t>
             </a:r>
           </a:p>
           <a:p>
@@ -10577,18 +9396,13 @@
           <a:p>
             <a:pPr algn="ctr"/>
             <a:r>
-              <a:rPr lang="en-AU" sz="2000" dirty="0" smtClean="0">
+              <a:rPr lang="en-AU" sz="2000" dirty="0">
                 <a:solidFill>
                   <a:schemeClr val="tx1"/>
                 </a:solidFill>
               </a:rPr>
               <a:t>MED</a:t>
             </a:r>
-            <a:endParaRPr lang="en-AU" sz="2000" dirty="0">
-              <a:solidFill>
-                <a:schemeClr val="tx1"/>
-              </a:solidFill>
-            </a:endParaRPr>
           </a:p>
         </p:txBody>
       </p:sp>
@@ -10638,7 +9452,7 @@
           <a:lstStyle/>
           <a:p>
             <a:r>
-              <a:rPr lang="en-AU" sz="2000" dirty="0" smtClean="0">
+              <a:rPr lang="en-AU" sz="2000" dirty="0">
                 <a:solidFill>
                   <a:schemeClr val="tx1"/>
                 </a:solidFill>
@@ -10652,26 +9466,13 @@
               <a:buChar char="•"/>
             </a:pPr>
             <a:r>
-              <a:rPr lang="en-AU" sz="2000" dirty="0" smtClean="0">
-                <a:solidFill>
-                  <a:schemeClr val="tx1"/>
-                </a:solidFill>
-              </a:rPr>
-              <a:t>This assumes that each property has a valid addres</a:t>
-            </a:r>
-            <a:r>
-              <a:rPr lang="en-AU" sz="2000" dirty="0" smtClean="0">
-                <a:solidFill>
-                  <a:schemeClr val="tx1"/>
-                </a:solidFill>
-              </a:rPr>
-              <a:t>s that can be brought up on a map.</a:t>
-            </a:r>
-            <a:endParaRPr lang="en-AU" sz="2000" dirty="0">
-              <a:solidFill>
-                <a:schemeClr val="tx1"/>
-              </a:solidFill>
-            </a:endParaRPr>
+              <a:rPr lang="en-AU" sz="2000" dirty="0">
+                <a:solidFill>
+                  <a:schemeClr val="tx1"/>
+                </a:solidFill>
+              </a:rPr>
+              <a:t>This assumes that each property has a valid address that can be brought up on a map.</a:t>
+            </a:r>
           </a:p>
         </p:txBody>
       </p:sp>
@@ -10815,13 +9616,8 @@
             <a:pPr algn="ctr"/>
             <a:r>
               <a:rPr lang="en-AU" sz="2800" dirty="0"/>
-              <a:t>Property </a:t>
-            </a:r>
-            <a:r>
-              <a:rPr lang="en-AU" sz="2800" dirty="0" smtClean="0"/>
-              <a:t>ID Search</a:t>
-            </a:r>
-            <a:endParaRPr lang="en-AU" sz="2800" dirty="0"/>
+              <a:t>Property ID Search</a:t>
+            </a:r>
           </a:p>
         </p:txBody>
       </p:sp>
@@ -10943,21 +9739,8 @@
                   <a:schemeClr val="tx1"/>
                 </a:solidFill>
               </a:rPr>
-              <a:t>Acceptance </a:t>
-            </a:r>
-            <a:r>
-              <a:rPr lang="en-AU" sz="2000" dirty="0" smtClean="0">
-                <a:solidFill>
-                  <a:schemeClr val="tx1"/>
-                </a:solidFill>
-              </a:rPr>
-              <a:t>Criteria:</a:t>
-            </a:r>
-            <a:endParaRPr lang="en-AU" sz="2000" dirty="0">
-              <a:solidFill>
-                <a:schemeClr val="tx1"/>
-              </a:solidFill>
-            </a:endParaRPr>
+              <a:t>Acceptance Criteria:</a:t>
+            </a:r>
           </a:p>
           <a:p>
             <a:pPr marL="179388" indent="-179388">
@@ -10970,37 +9753,8 @@
                   <a:schemeClr val="tx1"/>
                 </a:solidFill>
               </a:rPr>
-              <a:t> </a:t>
-            </a:r>
-            <a:r>
-              <a:rPr lang="en-AU" sz="2000" dirty="0" smtClean="0">
-                <a:solidFill>
-                  <a:schemeClr val="tx1"/>
-                </a:solidFill>
-              </a:rPr>
-              <a:t>The website is searchable </a:t>
-            </a:r>
-            <a:r>
-              <a:rPr lang="en-AU" sz="2000" dirty="0">
-                <a:solidFill>
-                  <a:schemeClr val="tx1"/>
-                </a:solidFill>
-              </a:rPr>
-              <a:t>by property </a:t>
-            </a:r>
-            <a:r>
-              <a:rPr lang="en-AU" sz="2000" dirty="0" smtClean="0">
-                <a:solidFill>
-                  <a:schemeClr val="tx1"/>
-                </a:solidFill>
-              </a:rPr>
-              <a:t>ID.</a:t>
-            </a:r>
-            <a:endParaRPr lang="en-AU" sz="2000" dirty="0">
-              <a:solidFill>
-                <a:schemeClr val="tx1"/>
-              </a:solidFill>
-            </a:endParaRPr>
+              <a:t> The website is searchable by property ID.</a:t>
+            </a:r>
           </a:p>
           <a:p>
             <a:pPr marL="179388" indent="-179388">
@@ -11008,34 +9762,13 @@
               <a:buChar char="•"/>
             </a:pPr>
             <a:r>
-              <a:rPr lang="en-US" sz="2000" dirty="0" smtClean="0">
-                <a:solidFill>
-                  <a:schemeClr val="tx1"/>
-                </a:solidFill>
-              </a:rPr>
-              <a:t>The property has a </a:t>
-            </a:r>
-            <a:r>
               <a:rPr lang="en-US" sz="2000" dirty="0">
                 <a:solidFill>
                   <a:schemeClr val="tx1"/>
                 </a:solidFill>
               </a:rPr>
-              <a:t>clear property </a:t>
-            </a:r>
-            <a:r>
-              <a:rPr lang="en-US" sz="2000" dirty="0" smtClean="0">
-                <a:solidFill>
-                  <a:schemeClr val="tx1"/>
-                </a:solidFill>
-              </a:rPr>
-              <a:t>ID.</a:t>
-            </a:r>
-            <a:endParaRPr lang="en-US" sz="2000" dirty="0">
-              <a:solidFill>
-                <a:schemeClr val="tx1"/>
-              </a:solidFill>
-            </a:endParaRPr>
+              <a:t>The property has a clear property ID.</a:t>
+            </a:r>
           </a:p>
           <a:p>
             <a:pPr marL="179388" indent="-179388">
@@ -11043,34 +9776,13 @@
               <a:buChar char="•"/>
             </a:pPr>
             <a:r>
-              <a:rPr lang="en-US" sz="2000" dirty="0" smtClean="0">
-                <a:solidFill>
-                  <a:schemeClr val="tx1"/>
-                </a:solidFill>
-              </a:rPr>
-              <a:t>The </a:t>
-            </a:r>
-            <a:r>
               <a:rPr lang="en-US" sz="2000" dirty="0">
                 <a:solidFill>
                   <a:schemeClr val="tx1"/>
                 </a:solidFill>
               </a:rPr>
-              <a:t>property </a:t>
-            </a:r>
-            <a:r>
-              <a:rPr lang="en-US" sz="2000" dirty="0" smtClean="0">
-                <a:solidFill>
-                  <a:schemeClr val="tx1"/>
-                </a:solidFill>
-              </a:rPr>
-              <a:t>ID is unique.</a:t>
-            </a:r>
-            <a:endParaRPr lang="en-US" sz="2000" dirty="0">
-              <a:solidFill>
-                <a:schemeClr val="tx1"/>
-              </a:solidFill>
-            </a:endParaRPr>
+              <a:t>The property ID is unique.</a:t>
+            </a:r>
           </a:p>
         </p:txBody>
       </p:sp>
@@ -11183,18 +9895,13 @@
           <a:p>
             <a:pPr algn="ctr"/>
             <a:r>
-              <a:rPr lang="en-AU" sz="2000" dirty="0" smtClean="0">
+              <a:rPr lang="en-AU" sz="2000" dirty="0">
                 <a:solidFill>
                   <a:schemeClr val="tx1"/>
                 </a:solidFill>
               </a:rPr>
               <a:t>LOW</a:t>
             </a:r>
-            <a:endParaRPr lang="en-AU" sz="2000" dirty="0">
-              <a:solidFill>
-                <a:schemeClr val="tx1"/>
-              </a:solidFill>
-            </a:endParaRPr>
           </a:p>
         </p:txBody>
       </p:sp>
@@ -11244,7 +9951,7 @@
           <a:lstStyle/>
           <a:p>
             <a:r>
-              <a:rPr lang="en-AU" sz="2000" dirty="0" smtClean="0">
+              <a:rPr lang="en-AU" sz="2000" dirty="0">
                 <a:solidFill>
                   <a:schemeClr val="tx1"/>
                 </a:solidFill>
@@ -11258,18 +9965,13 @@
               <a:buChar char="•"/>
             </a:pPr>
             <a:r>
-              <a:rPr lang="en-AU" sz="2000" dirty="0" smtClean="0">
+              <a:rPr lang="en-AU" sz="2000" dirty="0">
                 <a:solidFill>
                   <a:schemeClr val="tx1"/>
                 </a:solidFill>
               </a:rPr>
               <a:t>The assumes that each property is assigned an easy to remember/type Property ID.</a:t>
             </a:r>
-            <a:endParaRPr lang="en-AU" sz="2000" dirty="0">
-              <a:solidFill>
-                <a:schemeClr val="tx1"/>
-              </a:solidFill>
-            </a:endParaRPr>
           </a:p>
           <a:p>
             <a:endParaRPr lang="en-AU" sz="2000" dirty="0">
@@ -11367,7 +10069,7 @@
           <a:p>
             <a:pPr algn="ctr"/>
             <a:r>
-              <a:rPr lang="en-US" sz="2000" dirty="0" smtClean="0">
+              <a:rPr lang="en-US" sz="2000" dirty="0">
                 <a:solidFill>
                   <a:schemeClr val="tx1"/>
                 </a:solidFill>
@@ -11550,21 +10252,8 @@
                   <a:schemeClr val="tx1"/>
                 </a:solidFill>
               </a:rPr>
-              <a:t>Acceptance </a:t>
-            </a:r>
-            <a:r>
-              <a:rPr lang="en-AU" sz="2000" dirty="0" smtClean="0">
-                <a:solidFill>
-                  <a:schemeClr val="tx1"/>
-                </a:solidFill>
-              </a:rPr>
-              <a:t>Criteria:</a:t>
-            </a:r>
-            <a:endParaRPr lang="en-AU" sz="2000" dirty="0">
-              <a:solidFill>
-                <a:schemeClr val="tx1"/>
-              </a:solidFill>
-            </a:endParaRPr>
+              <a:t>Acceptance Criteria:</a:t>
+            </a:r>
           </a:p>
           <a:p>
             <a:pPr marL="179388" indent="-179388">
@@ -11572,34 +10261,13 @@
               <a:buChar char="•"/>
             </a:pPr>
             <a:r>
-              <a:rPr lang="en-AU" sz="2000" dirty="0" smtClean="0">
-                <a:solidFill>
-                  <a:schemeClr val="tx1"/>
-                </a:solidFill>
-              </a:rPr>
-              <a:t>David is able </a:t>
-            </a:r>
-            <a:r>
               <a:rPr lang="en-AU" sz="2000" dirty="0">
                 <a:solidFill>
                   <a:schemeClr val="tx1"/>
                 </a:solidFill>
               </a:rPr>
-              <a:t>to add </a:t>
-            </a:r>
-            <a:r>
-              <a:rPr lang="en-AU" sz="2000" dirty="0" smtClean="0">
-                <a:solidFill>
-                  <a:schemeClr val="tx1"/>
-                </a:solidFill>
-              </a:rPr>
-              <a:t>staff.</a:t>
-            </a:r>
-            <a:endParaRPr lang="en-AU" sz="2000" dirty="0">
-              <a:solidFill>
-                <a:schemeClr val="tx1"/>
-              </a:solidFill>
-            </a:endParaRPr>
+              <a:t>David is able to add staff.</a:t>
+            </a:r>
           </a:p>
           <a:p>
             <a:pPr marL="179388" indent="-179388">
@@ -11607,18 +10275,13 @@
               <a:buChar char="•"/>
             </a:pPr>
             <a:r>
-              <a:rPr lang="en-US" sz="2000" dirty="0" smtClean="0">
+              <a:rPr lang="en-US" sz="2000" dirty="0">
                 <a:solidFill>
                   <a:schemeClr val="tx1"/>
                 </a:solidFill>
               </a:rPr>
               <a:t>The details are saved correctly.</a:t>
             </a:r>
-            <a:endParaRPr lang="en-US" sz="2000" dirty="0">
-              <a:solidFill>
-                <a:schemeClr val="tx1"/>
-              </a:solidFill>
-            </a:endParaRPr>
           </a:p>
           <a:p>
             <a:pPr marL="179388" indent="-179388">
@@ -11626,44 +10289,12 @@
               <a:buChar char="•"/>
             </a:pPr>
             <a:r>
-              <a:rPr lang="en-US" sz="2000" dirty="0" smtClean="0">
-                <a:solidFill>
-                  <a:schemeClr val="tx1"/>
-                </a:solidFill>
-              </a:rPr>
-              <a:t>The staff </a:t>
-            </a:r>
-            <a:r>
               <a:rPr lang="en-US" sz="2000" dirty="0">
                 <a:solidFill>
                   <a:schemeClr val="tx1"/>
                 </a:solidFill>
               </a:rPr>
-              <a:t>member </a:t>
-            </a:r>
-            <a:r>
-              <a:rPr lang="en-US" sz="2000" dirty="0" smtClean="0">
-                <a:solidFill>
-                  <a:schemeClr val="tx1"/>
-                </a:solidFill>
-              </a:rPr>
-              <a:t>has access </a:t>
-            </a:r>
-            <a:r>
-              <a:rPr lang="en-US" sz="2000" dirty="0">
-                <a:solidFill>
-                  <a:schemeClr val="tx1"/>
-                </a:solidFill>
-              </a:rPr>
-              <a:t>to the relevant </a:t>
-            </a:r>
-            <a:r>
-              <a:rPr lang="en-US" sz="2000" dirty="0" smtClean="0">
-                <a:solidFill>
-                  <a:schemeClr val="tx1"/>
-                </a:solidFill>
-              </a:rPr>
-              <a:t>details.</a:t>
+              <a:t>The staff member has access to the relevant details.</a:t>
             </a:r>
             <a:endParaRPr lang="en-AU" sz="2000" dirty="0">
               <a:solidFill>
@@ -11782,18 +10413,13 @@
           <a:p>
             <a:pPr algn="ctr"/>
             <a:r>
-              <a:rPr lang="en-AU" sz="2000" dirty="0" smtClean="0">
+              <a:rPr lang="en-AU" sz="2000" dirty="0">
                 <a:solidFill>
                   <a:schemeClr val="tx1"/>
                 </a:solidFill>
               </a:rPr>
               <a:t>MED</a:t>
             </a:r>
-            <a:endParaRPr lang="en-AU" sz="2000" dirty="0">
-              <a:solidFill>
-                <a:schemeClr val="tx1"/>
-              </a:solidFill>
-            </a:endParaRPr>
           </a:p>
         </p:txBody>
       </p:sp>
@@ -11843,18 +10469,13 @@
           <a:lstStyle/>
           <a:p>
             <a:r>
-              <a:rPr lang="en-AU" sz="2000" dirty="0" smtClean="0">
+              <a:rPr lang="en-AU" sz="2000" dirty="0">
                 <a:solidFill>
                   <a:schemeClr val="tx1"/>
                 </a:solidFill>
               </a:rPr>
               <a:t>Notes:</a:t>
             </a:r>
-            <a:endParaRPr lang="en-AU" sz="2000" dirty="0">
-              <a:solidFill>
-                <a:schemeClr val="tx1"/>
-              </a:solidFill>
-            </a:endParaRPr>
           </a:p>
           <a:p>
             <a:pPr marL="179388" indent="-179388">
@@ -11862,36 +10483,12 @@
               <a:buChar char="•"/>
             </a:pPr>
             <a:r>
-              <a:rPr lang="en-AU" sz="2000" dirty="0" smtClean="0">
-                <a:solidFill>
-                  <a:schemeClr val="tx1"/>
-                </a:solidFill>
-              </a:rPr>
-              <a:t>Similar </a:t>
-            </a:r>
-            <a:r>
               <a:rPr lang="en-AU" sz="2000" dirty="0">
                 <a:solidFill>
                   <a:schemeClr val="tx1"/>
                 </a:solidFill>
               </a:rPr>
-              <a:t>to </a:t>
-            </a:r>
-            <a:r>
-              <a:rPr lang="en-AU" sz="2000" dirty="0" smtClean="0">
-                <a:solidFill>
-                  <a:schemeClr val="tx1"/>
-                </a:solidFill>
-              </a:rPr>
-              <a:t>7b, </a:t>
-            </a:r>
-            <a:r>
-              <a:rPr lang="en-AU" sz="2000" dirty="0">
-                <a:solidFill>
-                  <a:schemeClr val="tx1"/>
-                </a:solidFill>
-              </a:rPr>
-              <a:t>just needs differing access levels &amp; only David can add.</a:t>
+              <a:t>Similar to 7b, just needs differing access levels &amp; only David can add.</a:t>
             </a:r>
           </a:p>
           <a:p>
@@ -12197,4 +10794,299 @@
   <a:objectDefaults/>
   <a:extraClrSchemeLst/>
 </a:theme>
+</file>
+
+<file path=ppt/theme/theme2.xml><?xml version="1.0" encoding="utf-8"?>
+<a:theme xmlns:a="http://schemas.openxmlformats.org/drawingml/2006/main" name="Office Theme">
+  <a:themeElements>
+    <a:clrScheme name="Office">
+      <a:dk1>
+        <a:sysClr val="windowText" lastClr="000000"/>
+      </a:dk1>
+      <a:lt1>
+        <a:sysClr val="window" lastClr="FFFFFF"/>
+      </a:lt1>
+      <a:dk2>
+        <a:srgbClr val="44546A"/>
+      </a:dk2>
+      <a:lt2>
+        <a:srgbClr val="E7E6E6"/>
+      </a:lt2>
+      <a:accent1>
+        <a:srgbClr val="4472C4"/>
+      </a:accent1>
+      <a:accent2>
+        <a:srgbClr val="ED7D31"/>
+      </a:accent2>
+      <a:accent3>
+        <a:srgbClr val="A5A5A5"/>
+      </a:accent3>
+      <a:accent4>
+        <a:srgbClr val="FFC000"/>
+      </a:accent4>
+      <a:accent5>
+        <a:srgbClr val="5B9BD5"/>
+      </a:accent5>
+      <a:accent6>
+        <a:srgbClr val="70AD47"/>
+      </a:accent6>
+      <a:hlink>
+        <a:srgbClr val="0563C1"/>
+      </a:hlink>
+      <a:folHlink>
+        <a:srgbClr val="954F72"/>
+      </a:folHlink>
+    </a:clrScheme>
+    <a:fontScheme name="Office">
+      <a:majorFont>
+        <a:latin typeface="Calibri Light" panose="020F0302020204030204"/>
+        <a:ea typeface=""/>
+        <a:cs typeface=""/>
+        <a:font script="Jpan" typeface="游ゴシック Light"/>
+        <a:font script="Hang" typeface="맑은 고딕"/>
+        <a:font script="Hans" typeface="等线 Light"/>
+        <a:font script="Hant" typeface="新細明體"/>
+        <a:font script="Arab" typeface="Times New Roman"/>
+        <a:font script="Hebr" typeface="Times New Roman"/>
+        <a:font script="Thai" typeface="Angsana New"/>
+        <a:font script="Ethi" typeface="Nyala"/>
+        <a:font script="Beng" typeface="Vrinda"/>
+        <a:font script="Gujr" typeface="Shruti"/>
+        <a:font script="Khmr" typeface="MoolBoran"/>
+        <a:font script="Knda" typeface="Tunga"/>
+        <a:font script="Guru" typeface="Raavi"/>
+        <a:font script="Cans" typeface="Euphemia"/>
+        <a:font script="Cher" typeface="Plantagenet Cherokee"/>
+        <a:font script="Yiii" typeface="Microsoft Yi Baiti"/>
+        <a:font script="Tibt" typeface="Microsoft Himalaya"/>
+        <a:font script="Thaa" typeface="MV Boli"/>
+        <a:font script="Deva" typeface="Mangal"/>
+        <a:font script="Telu" typeface="Gautami"/>
+        <a:font script="Taml" typeface="Latha"/>
+        <a:font script="Syrc" typeface="Estrangelo Edessa"/>
+        <a:font script="Orya" typeface="Kalinga"/>
+        <a:font script="Mlym" typeface="Kartika"/>
+        <a:font script="Laoo" typeface="DokChampa"/>
+        <a:font script="Sinh" typeface="Iskoola Pota"/>
+        <a:font script="Mong" typeface="Mongolian Baiti"/>
+        <a:font script="Viet" typeface="Times New Roman"/>
+        <a:font script="Uigh" typeface="Microsoft Uighur"/>
+        <a:font script="Geor" typeface="Sylfaen"/>
+        <a:font script="Armn" typeface="Arial"/>
+        <a:font script="Bugi" typeface="Leelawadee UI"/>
+        <a:font script="Bopo" typeface="Microsoft JhengHei"/>
+        <a:font script="Java" typeface="Javanese Text"/>
+        <a:font script="Lisu" typeface="Segoe UI"/>
+        <a:font script="Mymr" typeface="Myanmar Text"/>
+        <a:font script="Nkoo" typeface="Ebrima"/>
+        <a:font script="Olck" typeface="Nirmala UI"/>
+        <a:font script="Osma" typeface="Ebrima"/>
+        <a:font script="Phag" typeface="Phagspa"/>
+        <a:font script="Syrn" typeface="Estrangelo Edessa"/>
+        <a:font script="Syrj" typeface="Estrangelo Edessa"/>
+        <a:font script="Syre" typeface="Estrangelo Edessa"/>
+        <a:font script="Sora" typeface="Nirmala UI"/>
+        <a:font script="Tale" typeface="Microsoft Tai Le"/>
+        <a:font script="Talu" typeface="Microsoft New Tai Lue"/>
+        <a:font script="Tfng" typeface="Ebrima"/>
+      </a:majorFont>
+      <a:minorFont>
+        <a:latin typeface="Calibri" panose="020F0502020204030204"/>
+        <a:ea typeface=""/>
+        <a:cs typeface=""/>
+        <a:font script="Jpan" typeface="游ゴシック"/>
+        <a:font script="Hang" typeface="맑은 고딕"/>
+        <a:font script="Hans" typeface="等线"/>
+        <a:font script="Hant" typeface="新細明體"/>
+        <a:font script="Arab" typeface="Arial"/>
+        <a:font script="Hebr" typeface="Arial"/>
+        <a:font script="Thai" typeface="Cordia New"/>
+        <a:font script="Ethi" typeface="Nyala"/>
+        <a:font script="Beng" typeface="Vrinda"/>
+        <a:font script="Gujr" typeface="Shruti"/>
+        <a:font script="Khmr" typeface="DaunPenh"/>
+        <a:font script="Knda" typeface="Tunga"/>
+        <a:font script="Guru" typeface="Raavi"/>
+        <a:font script="Cans" typeface="Euphemia"/>
+        <a:font script="Cher" typeface="Plantagenet Cherokee"/>
+        <a:font script="Yiii" typeface="Microsoft Yi Baiti"/>
+        <a:font script="Tibt" typeface="Microsoft Himalaya"/>
+        <a:font script="Thaa" typeface="MV Boli"/>
+        <a:font script="Deva" typeface="Mangal"/>
+        <a:font script="Telu" typeface="Gautami"/>
+        <a:font script="Taml" typeface="Latha"/>
+        <a:font script="Syrc" typeface="Estrangelo Edessa"/>
+        <a:font script="Orya" typeface="Kalinga"/>
+        <a:font script="Mlym" typeface="Kartika"/>
+        <a:font script="Laoo" typeface="DokChampa"/>
+        <a:font script="Sinh" typeface="Iskoola Pota"/>
+        <a:font script="Mong" typeface="Mongolian Baiti"/>
+        <a:font script="Viet" typeface="Arial"/>
+        <a:font script="Uigh" typeface="Microsoft Uighur"/>
+        <a:font script="Geor" typeface="Sylfaen"/>
+        <a:font script="Armn" typeface="Arial"/>
+        <a:font script="Bugi" typeface="Leelawadee UI"/>
+        <a:font script="Bopo" typeface="Microsoft JhengHei"/>
+        <a:font script="Java" typeface="Javanese Text"/>
+        <a:font script="Lisu" typeface="Segoe UI"/>
+        <a:font script="Mymr" typeface="Myanmar Text"/>
+        <a:font script="Nkoo" typeface="Ebrima"/>
+        <a:font script="Olck" typeface="Nirmala UI"/>
+        <a:font script="Osma" typeface="Ebrima"/>
+        <a:font script="Phag" typeface="Phagspa"/>
+        <a:font script="Syrn" typeface="Estrangelo Edessa"/>
+        <a:font script="Syrj" typeface="Estrangelo Edessa"/>
+        <a:font script="Syre" typeface="Estrangelo Edessa"/>
+        <a:font script="Sora" typeface="Nirmala UI"/>
+        <a:font script="Tale" typeface="Microsoft Tai Le"/>
+        <a:font script="Talu" typeface="Microsoft New Tai Lue"/>
+        <a:font script="Tfng" typeface="Ebrima"/>
+      </a:minorFont>
+    </a:fontScheme>
+    <a:fmtScheme name="Office">
+      <a:fillStyleLst>
+        <a:solidFill>
+          <a:schemeClr val="phClr"/>
+        </a:solidFill>
+        <a:gradFill rotWithShape="1">
+          <a:gsLst>
+            <a:gs pos="0">
+              <a:schemeClr val="phClr">
+                <a:lumMod val="110000"/>
+                <a:satMod val="105000"/>
+                <a:tint val="67000"/>
+              </a:schemeClr>
+            </a:gs>
+            <a:gs pos="50000">
+              <a:schemeClr val="phClr">
+                <a:lumMod val="105000"/>
+                <a:satMod val="103000"/>
+                <a:tint val="73000"/>
+              </a:schemeClr>
+            </a:gs>
+            <a:gs pos="100000">
+              <a:schemeClr val="phClr">
+                <a:lumMod val="105000"/>
+                <a:satMod val="109000"/>
+                <a:tint val="81000"/>
+              </a:schemeClr>
+            </a:gs>
+          </a:gsLst>
+          <a:lin ang="5400000" scaled="0"/>
+        </a:gradFill>
+        <a:gradFill rotWithShape="1">
+          <a:gsLst>
+            <a:gs pos="0">
+              <a:schemeClr val="phClr">
+                <a:satMod val="103000"/>
+                <a:lumMod val="102000"/>
+                <a:tint val="94000"/>
+              </a:schemeClr>
+            </a:gs>
+            <a:gs pos="50000">
+              <a:schemeClr val="phClr">
+                <a:satMod val="110000"/>
+                <a:lumMod val="100000"/>
+                <a:shade val="100000"/>
+              </a:schemeClr>
+            </a:gs>
+            <a:gs pos="100000">
+              <a:schemeClr val="phClr">
+                <a:lumMod val="99000"/>
+                <a:satMod val="120000"/>
+                <a:shade val="78000"/>
+              </a:schemeClr>
+            </a:gs>
+          </a:gsLst>
+          <a:lin ang="5400000" scaled="0"/>
+        </a:gradFill>
+      </a:fillStyleLst>
+      <a:lnStyleLst>
+        <a:ln w="6350" cap="flat" cmpd="sng" algn="ctr">
+          <a:solidFill>
+            <a:schemeClr val="phClr"/>
+          </a:solidFill>
+          <a:prstDash val="solid"/>
+          <a:miter lim="800000"/>
+        </a:ln>
+        <a:ln w="12700" cap="flat" cmpd="sng" algn="ctr">
+          <a:solidFill>
+            <a:schemeClr val="phClr"/>
+          </a:solidFill>
+          <a:prstDash val="solid"/>
+          <a:miter lim="800000"/>
+        </a:ln>
+        <a:ln w="19050" cap="flat" cmpd="sng" algn="ctr">
+          <a:solidFill>
+            <a:schemeClr val="phClr"/>
+          </a:solidFill>
+          <a:prstDash val="solid"/>
+          <a:miter lim="800000"/>
+        </a:ln>
+      </a:lnStyleLst>
+      <a:effectStyleLst>
+        <a:effectStyle>
+          <a:effectLst/>
+        </a:effectStyle>
+        <a:effectStyle>
+          <a:effectLst/>
+        </a:effectStyle>
+        <a:effectStyle>
+          <a:effectLst>
+            <a:outerShdw blurRad="57150" dist="19050" dir="5400000" algn="ctr" rotWithShape="0">
+              <a:srgbClr val="000000">
+                <a:alpha val="63000"/>
+              </a:srgbClr>
+            </a:outerShdw>
+          </a:effectLst>
+        </a:effectStyle>
+      </a:effectStyleLst>
+      <a:bgFillStyleLst>
+        <a:solidFill>
+          <a:schemeClr val="phClr"/>
+        </a:solidFill>
+        <a:solidFill>
+          <a:schemeClr val="phClr">
+            <a:tint val="95000"/>
+            <a:satMod val="170000"/>
+          </a:schemeClr>
+        </a:solidFill>
+        <a:gradFill rotWithShape="1">
+          <a:gsLst>
+            <a:gs pos="0">
+              <a:schemeClr val="phClr">
+                <a:tint val="93000"/>
+                <a:satMod val="150000"/>
+                <a:shade val="98000"/>
+                <a:lumMod val="102000"/>
+              </a:schemeClr>
+            </a:gs>
+            <a:gs pos="50000">
+              <a:schemeClr val="phClr">
+                <a:tint val="98000"/>
+                <a:satMod val="130000"/>
+                <a:shade val="90000"/>
+                <a:lumMod val="103000"/>
+              </a:schemeClr>
+            </a:gs>
+            <a:gs pos="100000">
+              <a:schemeClr val="phClr">
+                <a:shade val="63000"/>
+                <a:satMod val="120000"/>
+              </a:schemeClr>
+            </a:gs>
+          </a:gsLst>
+          <a:lin ang="5400000" scaled="0"/>
+        </a:gradFill>
+      </a:bgFillStyleLst>
+    </a:fmtScheme>
+  </a:themeElements>
+  <a:objectDefaults/>
+  <a:extraClrSchemeLst/>
+  <a:extLst>
+    <a:ext uri="{05A4C25C-085E-4340-85A3-A5531E510DB2}">
+      <thm15:themeFamily xmlns:thm15="http://schemas.microsoft.com/office/thememl/2012/main" name="Office Theme" id="{62F939B6-93AF-4DB8-9C6B-D6C7DFDC589F}" vid="{4A3C46E8-61CC-4603-A589-7422A47A8E4A}"/>
+    </a:ext>
+  </a:extLst>
+</a:theme>
 </file>